--- a/第一次需求大会以及定下技术栈.pptx
+++ b/第一次需求大会以及定下技术栈.pptx
@@ -111,6 +111,11 @@
       </a:defRPr>
     </a:lvl9pPr>
   </p:defaultTextStyle>
+  <p:extLst>
+    <p:ext uri="{EFAFB233-063F-42B5-8137-9DF3F51BA10A}">
+      <p15:sldGuideLst xmlns:p15="http://schemas.microsoft.com/office/powerpoint/2012/main"/>
+    </p:ext>
+  </p:extLst>
 </p:presentation>
 </file>
 
@@ -3818,6 +3823,42 @@
           </a:p>
         </p:txBody>
       </p:sp>
+      <p:sp>
+        <p:nvSpPr>
+          <p:cNvPr id="2" name="文本框 1">
+            <a:extLst>
+              <a:ext uri="{FF2B5EF4-FFF2-40B4-BE49-F238E27FC236}">
+                <a16:creationId xmlns:a16="http://schemas.microsoft.com/office/drawing/2014/main" id="{86BB38DE-3B6E-45DE-9916-052CF615D3B1}"/>
+              </a:ext>
+            </a:extLst>
+          </p:cNvPr>
+          <p:cNvSpPr txBox="1"/>
+          <p:nvPr/>
+        </p:nvSpPr>
+        <p:spPr>
+          <a:xfrm>
+            <a:off x="8312728" y="6026727"/>
+            <a:ext cx="3998422" cy="261610"/>
+          </a:xfrm>
+          <a:prstGeom prst="rect">
+            <a:avLst/>
+          </a:prstGeom>
+          <a:noFill/>
+        </p:spPr>
+        <p:txBody>
+          <a:bodyPr wrap="square" rtlCol="0">
+            <a:spAutoFit/>
+          </a:bodyPr>
+          <a:lstStyle/>
+          <a:p>
+            <a:r>
+              <a:rPr lang="en-US" altLang="zh-CN" sz="1100" dirty="0"/>
+              <a:t>https://github.com/XDUPSMC3Team/ProjectDoc</a:t>
+            </a:r>
+            <a:endParaRPr lang="zh-CN" altLang="en-US" sz="1100" dirty="0"/>
+          </a:p>
+        </p:txBody>
+      </p:sp>
     </p:spTree>
     <p:extLst>
       <p:ext uri="{BB962C8B-B14F-4D97-AF65-F5344CB8AC3E}">
@@ -4718,6 +4759,42 @@
           </a:fontRef>
         </p:style>
       </p:cxnSp>
+      <p:sp>
+        <p:nvSpPr>
+          <p:cNvPr id="6" name="文本框 5">
+            <a:extLst>
+              <a:ext uri="{FF2B5EF4-FFF2-40B4-BE49-F238E27FC236}">
+                <a16:creationId xmlns:a16="http://schemas.microsoft.com/office/drawing/2014/main" id="{0CC340A5-7788-40CF-B345-5E7A560E7498}"/>
+              </a:ext>
+            </a:extLst>
+          </p:cNvPr>
+          <p:cNvSpPr txBox="1"/>
+          <p:nvPr/>
+        </p:nvSpPr>
+        <p:spPr>
+          <a:xfrm>
+            <a:off x="7714211" y="6147021"/>
+            <a:ext cx="3931920" cy="261610"/>
+          </a:xfrm>
+          <a:prstGeom prst="rect">
+            <a:avLst/>
+          </a:prstGeom>
+          <a:noFill/>
+        </p:spPr>
+        <p:txBody>
+          <a:bodyPr wrap="square" rtlCol="0">
+            <a:spAutoFit/>
+          </a:bodyPr>
+          <a:lstStyle/>
+          <a:p>
+            <a:r>
+              <a:rPr lang="en-US" altLang="zh-CN" sz="1100" dirty="0"/>
+              <a:t>https://github.com/XDUPSMC3Team/ProjectDoc/issues/3</a:t>
+            </a:r>
+            <a:endParaRPr lang="zh-CN" altLang="en-US" sz="1100" dirty="0"/>
+          </a:p>
+        </p:txBody>
+      </p:sp>
     </p:spTree>
     <p:extLst>
       <p:ext uri="{BB962C8B-B14F-4D97-AF65-F5344CB8AC3E}">

--- a/第一次需求大会以及定下技术栈.pptx
+++ b/第一次需求大会以及定下技术栈.pptx
@@ -1,18 +1,18 @@
 
 <file path=ppt/presentation.xml><?xml version="1.0" encoding="utf-8"?>
-<p:presentation xmlns:a="http://schemas.openxmlformats.org/drawingml/2006/main" xmlns:r="http://schemas.openxmlformats.org/officeDocument/2006/relationships" xmlns:p="http://schemas.openxmlformats.org/presentationml/2006/main" saveSubsetFonts="1">
+<p:presentation xmlns:a="http://schemas.openxmlformats.org/drawingml/2006/main" xmlns:r="http://schemas.openxmlformats.org/officeDocument/2006/relationships" xmlns:p="http://schemas.openxmlformats.org/presentationml/2006/main">
   <p:sldMasterIdLst>
     <p:sldMasterId id="2147483648" r:id="rId1"/>
   </p:sldMasterIdLst>
   <p:notesMasterIdLst>
-    <p:notesMasterId r:id="rId7"/>
+    <p:notesMasterId r:id="rId8"/>
   </p:notesMasterIdLst>
   <p:sldIdLst>
-    <p:sldId id="256" r:id="rId2"/>
-    <p:sldId id="257" r:id="rId3"/>
-    <p:sldId id="259" r:id="rId4"/>
-    <p:sldId id="258" r:id="rId5"/>
-    <p:sldId id="260" r:id="rId6"/>
+    <p:sldId id="256" r:id="rId3"/>
+    <p:sldId id="257" r:id="rId4"/>
+    <p:sldId id="259" r:id="rId5"/>
+    <p:sldId id="258" r:id="rId6"/>
+    <p:sldId id="260" r:id="rId7"/>
   </p:sldIdLst>
   <p:sldSz cx="12192000" cy="6858000"/>
   <p:notesSz cx="6858000" cy="9144000"/>
@@ -111,11 +111,6 @@
       </a:defRPr>
     </a:lvl9pPr>
   </p:defaultTextStyle>
-  <p:extLst>
-    <p:ext uri="{EFAFB233-063F-42B5-8137-9DF3F51BA10A}">
-      <p15:sldGuideLst xmlns:p15="http://schemas.microsoft.com/office/powerpoint/2012/main"/>
-    </p:ext>
-  </p:extLst>
 </p:presentation>
 </file>
 
@@ -201,7 +196,6 @@
           <a:p>
             <a:fld id="{387B18BE-F67E-47EA-93DF-512275E9D789}" type="datetimeFigureOut">
               <a:rPr lang="zh-CN" altLang="en-US" smtClean="0"/>
-              <a:t>2018/11/27</a:t>
             </a:fld>
             <a:endParaRPr lang="zh-CN" altLang="en-US"/>
           </a:p>
@@ -268,6 +262,7 @@
               <a:rPr lang="zh-CN" altLang="en-US"/>
               <a:t>编辑母版文本样式</a:t>
             </a:r>
+            <a:endParaRPr lang="zh-CN" altLang="en-US"/>
           </a:p>
           <a:p>
             <a:pPr lvl="1"/>
@@ -275,6 +270,7 @@
               <a:rPr lang="zh-CN" altLang="en-US"/>
               <a:t>第二级</a:t>
             </a:r>
+            <a:endParaRPr lang="zh-CN" altLang="en-US"/>
           </a:p>
           <a:p>
             <a:pPr lvl="2"/>
@@ -282,6 +278,7 @@
               <a:rPr lang="zh-CN" altLang="en-US"/>
               <a:t>第三级</a:t>
             </a:r>
+            <a:endParaRPr lang="zh-CN" altLang="en-US"/>
           </a:p>
           <a:p>
             <a:pPr lvl="3"/>
@@ -289,6 +286,7 @@
               <a:rPr lang="zh-CN" altLang="en-US"/>
               <a:t>第四级</a:t>
             </a:r>
+            <a:endParaRPr lang="zh-CN" altLang="en-US"/>
           </a:p>
           <a:p>
             <a:pPr lvl="4"/>
@@ -296,6 +294,7 @@
               <a:rPr lang="zh-CN" altLang="en-US"/>
               <a:t>第五级</a:t>
             </a:r>
+            <a:endParaRPr lang="zh-CN" altLang="en-US"/>
           </a:p>
         </p:txBody>
       </p:sp>
@@ -359,18 +358,12 @@
           <a:p>
             <a:fld id="{A77D7447-5230-4059-9F88-6D09EDD3CD0F}" type="slidenum">
               <a:rPr lang="zh-CN" altLang="en-US" smtClean="0"/>
-              <a:t>‹#›</a:t>
             </a:fld>
             <a:endParaRPr lang="zh-CN" altLang="en-US"/>
           </a:p>
         </p:txBody>
       </p:sp>
     </p:spTree>
-    <p:extLst>
-      <p:ext uri="{BB962C8B-B14F-4D97-AF65-F5344CB8AC3E}">
-        <p14:creationId xmlns:p14="http://schemas.microsoft.com/office/powerpoint/2010/main" val="1321738493"/>
-      </p:ext>
-    </p:extLst>
   </p:cSld>
   <p:clrMap bg1="lt1" tx1="dk1" bg2="lt2" tx2="dk2" accent1="accent1" accent2="accent2" accent3="accent3" accent4="accent4" accent5="accent5" accent6="accent6" hlink="hlink" folHlink="folHlink"/>
   <p:notesStyle>
@@ -487,13 +480,7 @@
       </p:grpSpPr>
       <p:sp>
         <p:nvSpPr>
-          <p:cNvPr id="2" name="标题 1">
-            <a:extLst>
-              <a:ext uri="{FF2B5EF4-FFF2-40B4-BE49-F238E27FC236}">
-                <a16:creationId xmlns:a16="http://schemas.microsoft.com/office/drawing/2014/main" id="{40B17764-B4BB-4D60-A220-F8114C3DA84D}"/>
-              </a:ext>
-            </a:extLst>
-          </p:cNvPr>
+          <p:cNvPr id="2" name="标题 1"/>
           <p:cNvSpPr>
             <a:spLocks noGrp="1"/>
           </p:cNvSpPr>
@@ -519,18 +506,13 @@
               <a:rPr lang="zh-CN" altLang="en-US"/>
               <a:t>单击此处编辑母版标题样式</a:t>
             </a:r>
-          </a:p>
-        </p:txBody>
-      </p:sp>
-      <p:sp>
-        <p:nvSpPr>
-          <p:cNvPr id="3" name="副标题 2">
-            <a:extLst>
-              <a:ext uri="{FF2B5EF4-FFF2-40B4-BE49-F238E27FC236}">
-                <a16:creationId xmlns:a16="http://schemas.microsoft.com/office/drawing/2014/main" id="{C68A5A61-87DB-46D2-93CB-6406D47DDF9B}"/>
-              </a:ext>
-            </a:extLst>
-          </p:cNvPr>
+            <a:endParaRPr lang="zh-CN" altLang="en-US"/>
+          </a:p>
+        </p:txBody>
+      </p:sp>
+      <p:sp>
+        <p:nvSpPr>
+          <p:cNvPr id="3" name="副标题 2"/>
           <p:cNvSpPr>
             <a:spLocks noGrp="1"/>
           </p:cNvSpPr>
@@ -589,18 +571,13 @@
               <a:rPr lang="zh-CN" altLang="en-US"/>
               <a:t>单击此处编辑母版副标题样式</a:t>
             </a:r>
-          </a:p>
-        </p:txBody>
-      </p:sp>
-      <p:sp>
-        <p:nvSpPr>
-          <p:cNvPr id="4" name="日期占位符 3">
-            <a:extLst>
-              <a:ext uri="{FF2B5EF4-FFF2-40B4-BE49-F238E27FC236}">
-                <a16:creationId xmlns:a16="http://schemas.microsoft.com/office/drawing/2014/main" id="{2C89BE75-DA94-40B8-9612-E3C9B0853E87}"/>
-              </a:ext>
-            </a:extLst>
-          </p:cNvPr>
+            <a:endParaRPr lang="zh-CN" altLang="en-US"/>
+          </a:p>
+        </p:txBody>
+      </p:sp>
+      <p:sp>
+        <p:nvSpPr>
+          <p:cNvPr id="4" name="日期占位符 3"/>
           <p:cNvSpPr>
             <a:spLocks noGrp="1"/>
           </p:cNvSpPr>
@@ -615,7 +592,6 @@
           <a:p>
             <a:fld id="{AEB5C05C-CA20-4F93-AB62-3641C803C99E}" type="datetimeFigureOut">
               <a:rPr lang="zh-CN" altLang="en-US" smtClean="0"/>
-              <a:t>2018/11/27</a:t>
             </a:fld>
             <a:endParaRPr lang="zh-CN" altLang="en-US"/>
           </a:p>
@@ -623,13 +599,7 @@
       </p:sp>
       <p:sp>
         <p:nvSpPr>
-          <p:cNvPr id="5" name="页脚占位符 4">
-            <a:extLst>
-              <a:ext uri="{FF2B5EF4-FFF2-40B4-BE49-F238E27FC236}">
-                <a16:creationId xmlns:a16="http://schemas.microsoft.com/office/drawing/2014/main" id="{D6AE6601-58EC-4E7F-A97D-EEA1F8F24AAD}"/>
-              </a:ext>
-            </a:extLst>
-          </p:cNvPr>
+          <p:cNvPr id="5" name="页脚占位符 4"/>
           <p:cNvSpPr>
             <a:spLocks noGrp="1"/>
           </p:cNvSpPr>
@@ -648,13 +618,7 @@
       </p:sp>
       <p:sp>
         <p:nvSpPr>
-          <p:cNvPr id="6" name="灯片编号占位符 5">
-            <a:extLst>
-              <a:ext uri="{FF2B5EF4-FFF2-40B4-BE49-F238E27FC236}">
-                <a16:creationId xmlns:a16="http://schemas.microsoft.com/office/drawing/2014/main" id="{0B07BF67-CAC0-4227-BB04-06A1D5DA8F72}"/>
-              </a:ext>
-            </a:extLst>
-          </p:cNvPr>
+          <p:cNvPr id="6" name="灯片编号占位符 5"/>
           <p:cNvSpPr>
             <a:spLocks noGrp="1"/>
           </p:cNvSpPr>
@@ -669,18 +633,12 @@
           <a:p>
             <a:fld id="{BDC18D54-B4A9-4E95-A1F3-7FD5603A7C52}" type="slidenum">
               <a:rPr lang="zh-CN" altLang="en-US" smtClean="0"/>
-              <a:t>‹#›</a:t>
             </a:fld>
             <a:endParaRPr lang="zh-CN" altLang="en-US"/>
           </a:p>
         </p:txBody>
       </p:sp>
     </p:spTree>
-    <p:extLst>
-      <p:ext uri="{BB962C8B-B14F-4D97-AF65-F5344CB8AC3E}">
-        <p14:creationId xmlns:p14="http://schemas.microsoft.com/office/powerpoint/2010/main" val="3733266075"/>
-      </p:ext>
-    </p:extLst>
   </p:cSld>
   <p:clrMapOvr>
     <a:masterClrMapping/>
@@ -707,13 +665,7 @@
       </p:grpSpPr>
       <p:sp>
         <p:nvSpPr>
-          <p:cNvPr id="2" name="标题 1">
-            <a:extLst>
-              <a:ext uri="{FF2B5EF4-FFF2-40B4-BE49-F238E27FC236}">
-                <a16:creationId xmlns:a16="http://schemas.microsoft.com/office/drawing/2014/main" id="{FAC61626-3537-47C7-AE96-4D85C4CEE07E}"/>
-              </a:ext>
-            </a:extLst>
-          </p:cNvPr>
+          <p:cNvPr id="2" name="标题 1"/>
           <p:cNvSpPr>
             <a:spLocks noGrp="1"/>
           </p:cNvSpPr>
@@ -730,23 +682,18 @@
               <a:rPr lang="zh-CN" altLang="en-US"/>
               <a:t>单击此处编辑母版标题样式</a:t>
             </a:r>
-          </a:p>
-        </p:txBody>
-      </p:sp>
-      <p:sp>
-        <p:nvSpPr>
-          <p:cNvPr id="3" name="竖排文字占位符 2">
-            <a:extLst>
-              <a:ext uri="{FF2B5EF4-FFF2-40B4-BE49-F238E27FC236}">
-                <a16:creationId xmlns:a16="http://schemas.microsoft.com/office/drawing/2014/main" id="{849A111A-535B-4630-8BEC-EB5D126FEF99}"/>
-              </a:ext>
-            </a:extLst>
-          </p:cNvPr>
-          <p:cNvSpPr>
-            <a:spLocks noGrp="1"/>
-          </p:cNvSpPr>
-          <p:nvPr>
-            <p:ph type="body" orient="vert" idx="1"/>
+            <a:endParaRPr lang="zh-CN" altLang="en-US"/>
+          </a:p>
+        </p:txBody>
+      </p:sp>
+      <p:sp>
+        <p:nvSpPr>
+          <p:cNvPr id="3" name="竖排文字占位符 2"/>
+          <p:cNvSpPr>
+            <a:spLocks noGrp="1"/>
+          </p:cNvSpPr>
+          <p:nvPr>
+            <p:ph type="body" orient="vert" idx="1" hasCustomPrompt="1"/>
           </p:nvPr>
         </p:nvSpPr>
         <p:spPr/>
@@ -759,6 +706,7 @@
               <a:rPr lang="zh-CN" altLang="en-US"/>
               <a:t>编辑母版文本样式</a:t>
             </a:r>
+            <a:endParaRPr lang="zh-CN" altLang="en-US"/>
           </a:p>
           <a:p>
             <a:pPr lvl="1"/>
@@ -766,6 +714,7 @@
               <a:rPr lang="zh-CN" altLang="en-US"/>
               <a:t>第二级</a:t>
             </a:r>
+            <a:endParaRPr lang="zh-CN" altLang="en-US"/>
           </a:p>
           <a:p>
             <a:pPr lvl="2"/>
@@ -773,6 +722,7 @@
               <a:rPr lang="zh-CN" altLang="en-US"/>
               <a:t>第三级</a:t>
             </a:r>
+            <a:endParaRPr lang="zh-CN" altLang="en-US"/>
           </a:p>
           <a:p>
             <a:pPr lvl="3"/>
@@ -780,6 +730,7 @@
               <a:rPr lang="zh-CN" altLang="en-US"/>
               <a:t>第四级</a:t>
             </a:r>
+            <a:endParaRPr lang="zh-CN" altLang="en-US"/>
           </a:p>
           <a:p>
             <a:pPr lvl="4"/>
@@ -787,18 +738,13 @@
               <a:rPr lang="zh-CN" altLang="en-US"/>
               <a:t>第五级</a:t>
             </a:r>
-          </a:p>
-        </p:txBody>
-      </p:sp>
-      <p:sp>
-        <p:nvSpPr>
-          <p:cNvPr id="4" name="日期占位符 3">
-            <a:extLst>
-              <a:ext uri="{FF2B5EF4-FFF2-40B4-BE49-F238E27FC236}">
-                <a16:creationId xmlns:a16="http://schemas.microsoft.com/office/drawing/2014/main" id="{7248C14B-0260-4CDF-BA50-CA5C407D4489}"/>
-              </a:ext>
-            </a:extLst>
-          </p:cNvPr>
+            <a:endParaRPr lang="zh-CN" altLang="en-US"/>
+          </a:p>
+        </p:txBody>
+      </p:sp>
+      <p:sp>
+        <p:nvSpPr>
+          <p:cNvPr id="4" name="日期占位符 3"/>
           <p:cNvSpPr>
             <a:spLocks noGrp="1"/>
           </p:cNvSpPr>
@@ -813,7 +759,6 @@
           <a:p>
             <a:fld id="{AEB5C05C-CA20-4F93-AB62-3641C803C99E}" type="datetimeFigureOut">
               <a:rPr lang="zh-CN" altLang="en-US" smtClean="0"/>
-              <a:t>2018/11/27</a:t>
             </a:fld>
             <a:endParaRPr lang="zh-CN" altLang="en-US"/>
           </a:p>
@@ -821,13 +766,7 @@
       </p:sp>
       <p:sp>
         <p:nvSpPr>
-          <p:cNvPr id="5" name="页脚占位符 4">
-            <a:extLst>
-              <a:ext uri="{FF2B5EF4-FFF2-40B4-BE49-F238E27FC236}">
-                <a16:creationId xmlns:a16="http://schemas.microsoft.com/office/drawing/2014/main" id="{8D268FFA-E26C-405A-ADB2-3DC66EEA6E0A}"/>
-              </a:ext>
-            </a:extLst>
-          </p:cNvPr>
+          <p:cNvPr id="5" name="页脚占位符 4"/>
           <p:cNvSpPr>
             <a:spLocks noGrp="1"/>
           </p:cNvSpPr>
@@ -846,13 +785,7 @@
       </p:sp>
       <p:sp>
         <p:nvSpPr>
-          <p:cNvPr id="6" name="灯片编号占位符 5">
-            <a:extLst>
-              <a:ext uri="{FF2B5EF4-FFF2-40B4-BE49-F238E27FC236}">
-                <a16:creationId xmlns:a16="http://schemas.microsoft.com/office/drawing/2014/main" id="{77E3A935-42E9-42B0-B37F-13DDC5E7FD21}"/>
-              </a:ext>
-            </a:extLst>
-          </p:cNvPr>
+          <p:cNvPr id="6" name="灯片编号占位符 5"/>
           <p:cNvSpPr>
             <a:spLocks noGrp="1"/>
           </p:cNvSpPr>
@@ -867,18 +800,12 @@
           <a:p>
             <a:fld id="{BDC18D54-B4A9-4E95-A1F3-7FD5603A7C52}" type="slidenum">
               <a:rPr lang="zh-CN" altLang="en-US" smtClean="0"/>
-              <a:t>‹#›</a:t>
             </a:fld>
             <a:endParaRPr lang="zh-CN" altLang="en-US"/>
           </a:p>
         </p:txBody>
       </p:sp>
     </p:spTree>
-    <p:extLst>
-      <p:ext uri="{BB962C8B-B14F-4D97-AF65-F5344CB8AC3E}">
-        <p14:creationId xmlns:p14="http://schemas.microsoft.com/office/powerpoint/2010/main" val="1676048318"/>
-      </p:ext>
-    </p:extLst>
   </p:cSld>
   <p:clrMapOvr>
     <a:masterClrMapping/>
@@ -905,13 +832,7 @@
       </p:grpSpPr>
       <p:sp>
         <p:nvSpPr>
-          <p:cNvPr id="2" name="竖排标题 1">
-            <a:extLst>
-              <a:ext uri="{FF2B5EF4-FFF2-40B4-BE49-F238E27FC236}">
-                <a16:creationId xmlns:a16="http://schemas.microsoft.com/office/drawing/2014/main" id="{58621C07-B9E7-4469-B909-4E76E3079428}"/>
-              </a:ext>
-            </a:extLst>
-          </p:cNvPr>
+          <p:cNvPr id="2" name="竖排标题 1"/>
           <p:cNvSpPr>
             <a:spLocks noGrp="1"/>
           </p:cNvSpPr>
@@ -933,23 +854,18 @@
               <a:rPr lang="zh-CN" altLang="en-US"/>
               <a:t>单击此处编辑母版标题样式</a:t>
             </a:r>
-          </a:p>
-        </p:txBody>
-      </p:sp>
-      <p:sp>
-        <p:nvSpPr>
-          <p:cNvPr id="3" name="竖排文字占位符 2">
-            <a:extLst>
-              <a:ext uri="{FF2B5EF4-FFF2-40B4-BE49-F238E27FC236}">
-                <a16:creationId xmlns:a16="http://schemas.microsoft.com/office/drawing/2014/main" id="{1A9E2A3C-F937-4985-B0AA-2C8274F1370D}"/>
-              </a:ext>
-            </a:extLst>
-          </p:cNvPr>
-          <p:cNvSpPr>
-            <a:spLocks noGrp="1"/>
-          </p:cNvSpPr>
-          <p:nvPr>
-            <p:ph type="body" orient="vert" idx="1"/>
+            <a:endParaRPr lang="zh-CN" altLang="en-US"/>
+          </a:p>
+        </p:txBody>
+      </p:sp>
+      <p:sp>
+        <p:nvSpPr>
+          <p:cNvPr id="3" name="竖排文字占位符 2"/>
+          <p:cNvSpPr>
+            <a:spLocks noGrp="1"/>
+          </p:cNvSpPr>
+          <p:nvPr>
+            <p:ph type="body" orient="vert" idx="1" hasCustomPrompt="1"/>
           </p:nvPr>
         </p:nvSpPr>
         <p:spPr>
@@ -967,6 +883,7 @@
               <a:rPr lang="zh-CN" altLang="en-US"/>
               <a:t>编辑母版文本样式</a:t>
             </a:r>
+            <a:endParaRPr lang="zh-CN" altLang="en-US"/>
           </a:p>
           <a:p>
             <a:pPr lvl="1"/>
@@ -974,6 +891,7 @@
               <a:rPr lang="zh-CN" altLang="en-US"/>
               <a:t>第二级</a:t>
             </a:r>
+            <a:endParaRPr lang="zh-CN" altLang="en-US"/>
           </a:p>
           <a:p>
             <a:pPr lvl="2"/>
@@ -981,6 +899,7 @@
               <a:rPr lang="zh-CN" altLang="en-US"/>
               <a:t>第三级</a:t>
             </a:r>
+            <a:endParaRPr lang="zh-CN" altLang="en-US"/>
           </a:p>
           <a:p>
             <a:pPr lvl="3"/>
@@ -988,6 +907,7 @@
               <a:rPr lang="zh-CN" altLang="en-US"/>
               <a:t>第四级</a:t>
             </a:r>
+            <a:endParaRPr lang="zh-CN" altLang="en-US"/>
           </a:p>
           <a:p>
             <a:pPr lvl="4"/>
@@ -995,18 +915,13 @@
               <a:rPr lang="zh-CN" altLang="en-US"/>
               <a:t>第五级</a:t>
             </a:r>
-          </a:p>
-        </p:txBody>
-      </p:sp>
-      <p:sp>
-        <p:nvSpPr>
-          <p:cNvPr id="4" name="日期占位符 3">
-            <a:extLst>
-              <a:ext uri="{FF2B5EF4-FFF2-40B4-BE49-F238E27FC236}">
-                <a16:creationId xmlns:a16="http://schemas.microsoft.com/office/drawing/2014/main" id="{885C4B46-BF4F-426D-A639-6A2D3AE5B2EE}"/>
-              </a:ext>
-            </a:extLst>
-          </p:cNvPr>
+            <a:endParaRPr lang="zh-CN" altLang="en-US"/>
+          </a:p>
+        </p:txBody>
+      </p:sp>
+      <p:sp>
+        <p:nvSpPr>
+          <p:cNvPr id="4" name="日期占位符 3"/>
           <p:cNvSpPr>
             <a:spLocks noGrp="1"/>
           </p:cNvSpPr>
@@ -1021,7 +936,6 @@
           <a:p>
             <a:fld id="{AEB5C05C-CA20-4F93-AB62-3641C803C99E}" type="datetimeFigureOut">
               <a:rPr lang="zh-CN" altLang="en-US" smtClean="0"/>
-              <a:t>2018/11/27</a:t>
             </a:fld>
             <a:endParaRPr lang="zh-CN" altLang="en-US"/>
           </a:p>
@@ -1029,13 +943,7 @@
       </p:sp>
       <p:sp>
         <p:nvSpPr>
-          <p:cNvPr id="5" name="页脚占位符 4">
-            <a:extLst>
-              <a:ext uri="{FF2B5EF4-FFF2-40B4-BE49-F238E27FC236}">
-                <a16:creationId xmlns:a16="http://schemas.microsoft.com/office/drawing/2014/main" id="{468EF906-F0B4-4A36-9DC4-EC4115F6F3BB}"/>
-              </a:ext>
-            </a:extLst>
-          </p:cNvPr>
+          <p:cNvPr id="5" name="页脚占位符 4"/>
           <p:cNvSpPr>
             <a:spLocks noGrp="1"/>
           </p:cNvSpPr>
@@ -1054,13 +962,7 @@
       </p:sp>
       <p:sp>
         <p:nvSpPr>
-          <p:cNvPr id="6" name="灯片编号占位符 5">
-            <a:extLst>
-              <a:ext uri="{FF2B5EF4-FFF2-40B4-BE49-F238E27FC236}">
-                <a16:creationId xmlns:a16="http://schemas.microsoft.com/office/drawing/2014/main" id="{237925BA-D0A7-43E2-8940-7A0A094B148F}"/>
-              </a:ext>
-            </a:extLst>
-          </p:cNvPr>
+          <p:cNvPr id="6" name="灯片编号占位符 5"/>
           <p:cNvSpPr>
             <a:spLocks noGrp="1"/>
           </p:cNvSpPr>
@@ -1075,18 +977,12 @@
           <a:p>
             <a:fld id="{BDC18D54-B4A9-4E95-A1F3-7FD5603A7C52}" type="slidenum">
               <a:rPr lang="zh-CN" altLang="en-US" smtClean="0"/>
-              <a:t>‹#›</a:t>
             </a:fld>
             <a:endParaRPr lang="zh-CN" altLang="en-US"/>
           </a:p>
         </p:txBody>
       </p:sp>
     </p:spTree>
-    <p:extLst>
-      <p:ext uri="{BB962C8B-B14F-4D97-AF65-F5344CB8AC3E}">
-        <p14:creationId xmlns:p14="http://schemas.microsoft.com/office/powerpoint/2010/main" val="2519570814"/>
-      </p:ext>
-    </p:extLst>
   </p:cSld>
   <p:clrMapOvr>
     <a:masterClrMapping/>
@@ -1113,13 +1009,7 @@
       </p:grpSpPr>
       <p:sp>
         <p:nvSpPr>
-          <p:cNvPr id="2" name="标题 1">
-            <a:extLst>
-              <a:ext uri="{FF2B5EF4-FFF2-40B4-BE49-F238E27FC236}">
-                <a16:creationId xmlns:a16="http://schemas.microsoft.com/office/drawing/2014/main" id="{60D814BB-67F6-4864-98F8-DB11135E3262}"/>
-              </a:ext>
-            </a:extLst>
-          </p:cNvPr>
+          <p:cNvPr id="2" name="标题 1"/>
           <p:cNvSpPr>
             <a:spLocks noGrp="1"/>
           </p:cNvSpPr>
@@ -1136,23 +1026,18 @@
               <a:rPr lang="zh-CN" altLang="en-US"/>
               <a:t>单击此处编辑母版标题样式</a:t>
             </a:r>
-          </a:p>
-        </p:txBody>
-      </p:sp>
-      <p:sp>
-        <p:nvSpPr>
-          <p:cNvPr id="3" name="内容占位符 2">
-            <a:extLst>
-              <a:ext uri="{FF2B5EF4-FFF2-40B4-BE49-F238E27FC236}">
-                <a16:creationId xmlns:a16="http://schemas.microsoft.com/office/drawing/2014/main" id="{4A55C341-264B-4A82-AC8A-6E2E64C32E67}"/>
-              </a:ext>
-            </a:extLst>
-          </p:cNvPr>
-          <p:cNvSpPr>
-            <a:spLocks noGrp="1"/>
-          </p:cNvSpPr>
-          <p:nvPr>
-            <p:ph idx="1"/>
+            <a:endParaRPr lang="zh-CN" altLang="en-US"/>
+          </a:p>
+        </p:txBody>
+      </p:sp>
+      <p:sp>
+        <p:nvSpPr>
+          <p:cNvPr id="3" name="内容占位符 2"/>
+          <p:cNvSpPr>
+            <a:spLocks noGrp="1"/>
+          </p:cNvSpPr>
+          <p:nvPr>
+            <p:ph idx="1" hasCustomPrompt="1"/>
           </p:nvPr>
         </p:nvSpPr>
         <p:spPr/>
@@ -1165,6 +1050,7 @@
               <a:rPr lang="zh-CN" altLang="en-US"/>
               <a:t>编辑母版文本样式</a:t>
             </a:r>
+            <a:endParaRPr lang="zh-CN" altLang="en-US"/>
           </a:p>
           <a:p>
             <a:pPr lvl="1"/>
@@ -1172,6 +1058,7 @@
               <a:rPr lang="zh-CN" altLang="en-US"/>
               <a:t>第二级</a:t>
             </a:r>
+            <a:endParaRPr lang="zh-CN" altLang="en-US"/>
           </a:p>
           <a:p>
             <a:pPr lvl="2"/>
@@ -1179,6 +1066,7 @@
               <a:rPr lang="zh-CN" altLang="en-US"/>
               <a:t>第三级</a:t>
             </a:r>
+            <a:endParaRPr lang="zh-CN" altLang="en-US"/>
           </a:p>
           <a:p>
             <a:pPr lvl="3"/>
@@ -1186,6 +1074,7 @@
               <a:rPr lang="zh-CN" altLang="en-US"/>
               <a:t>第四级</a:t>
             </a:r>
+            <a:endParaRPr lang="zh-CN" altLang="en-US"/>
           </a:p>
           <a:p>
             <a:pPr lvl="4"/>
@@ -1193,18 +1082,13 @@
               <a:rPr lang="zh-CN" altLang="en-US"/>
               <a:t>第五级</a:t>
             </a:r>
-          </a:p>
-        </p:txBody>
-      </p:sp>
-      <p:sp>
-        <p:nvSpPr>
-          <p:cNvPr id="4" name="日期占位符 3">
-            <a:extLst>
-              <a:ext uri="{FF2B5EF4-FFF2-40B4-BE49-F238E27FC236}">
-                <a16:creationId xmlns:a16="http://schemas.microsoft.com/office/drawing/2014/main" id="{A46AF9A9-0E54-4423-8567-E9C027FED271}"/>
-              </a:ext>
-            </a:extLst>
-          </p:cNvPr>
+            <a:endParaRPr lang="zh-CN" altLang="en-US"/>
+          </a:p>
+        </p:txBody>
+      </p:sp>
+      <p:sp>
+        <p:nvSpPr>
+          <p:cNvPr id="4" name="日期占位符 3"/>
           <p:cNvSpPr>
             <a:spLocks noGrp="1"/>
           </p:cNvSpPr>
@@ -1219,7 +1103,6 @@
           <a:p>
             <a:fld id="{AEB5C05C-CA20-4F93-AB62-3641C803C99E}" type="datetimeFigureOut">
               <a:rPr lang="zh-CN" altLang="en-US" smtClean="0"/>
-              <a:t>2018/11/27</a:t>
             </a:fld>
             <a:endParaRPr lang="zh-CN" altLang="en-US"/>
           </a:p>
@@ -1227,13 +1110,7 @@
       </p:sp>
       <p:sp>
         <p:nvSpPr>
-          <p:cNvPr id="5" name="页脚占位符 4">
-            <a:extLst>
-              <a:ext uri="{FF2B5EF4-FFF2-40B4-BE49-F238E27FC236}">
-                <a16:creationId xmlns:a16="http://schemas.microsoft.com/office/drawing/2014/main" id="{B6D9A2C5-8EDE-4E4B-A521-01D5C536254E}"/>
-              </a:ext>
-            </a:extLst>
-          </p:cNvPr>
+          <p:cNvPr id="5" name="页脚占位符 4"/>
           <p:cNvSpPr>
             <a:spLocks noGrp="1"/>
           </p:cNvSpPr>
@@ -1252,13 +1129,7 @@
       </p:sp>
       <p:sp>
         <p:nvSpPr>
-          <p:cNvPr id="6" name="灯片编号占位符 5">
-            <a:extLst>
-              <a:ext uri="{FF2B5EF4-FFF2-40B4-BE49-F238E27FC236}">
-                <a16:creationId xmlns:a16="http://schemas.microsoft.com/office/drawing/2014/main" id="{DA3B7452-6C96-45FE-999B-698C3C8C13B5}"/>
-              </a:ext>
-            </a:extLst>
-          </p:cNvPr>
+          <p:cNvPr id="6" name="灯片编号占位符 5"/>
           <p:cNvSpPr>
             <a:spLocks noGrp="1"/>
           </p:cNvSpPr>
@@ -1273,18 +1144,12 @@
           <a:p>
             <a:fld id="{BDC18D54-B4A9-4E95-A1F3-7FD5603A7C52}" type="slidenum">
               <a:rPr lang="zh-CN" altLang="en-US" smtClean="0"/>
-              <a:t>‹#›</a:t>
             </a:fld>
             <a:endParaRPr lang="zh-CN" altLang="en-US"/>
           </a:p>
         </p:txBody>
       </p:sp>
     </p:spTree>
-    <p:extLst>
-      <p:ext uri="{BB962C8B-B14F-4D97-AF65-F5344CB8AC3E}">
-        <p14:creationId xmlns:p14="http://schemas.microsoft.com/office/powerpoint/2010/main" val="1424031434"/>
-      </p:ext>
-    </p:extLst>
   </p:cSld>
   <p:clrMapOvr>
     <a:masterClrMapping/>
@@ -1311,13 +1176,7 @@
       </p:grpSpPr>
       <p:sp>
         <p:nvSpPr>
-          <p:cNvPr id="2" name="标题 1">
-            <a:extLst>
-              <a:ext uri="{FF2B5EF4-FFF2-40B4-BE49-F238E27FC236}">
-                <a16:creationId xmlns:a16="http://schemas.microsoft.com/office/drawing/2014/main" id="{2ADAB593-9409-453F-B93A-55DF2A7AC688}"/>
-              </a:ext>
-            </a:extLst>
-          </p:cNvPr>
+          <p:cNvPr id="2" name="标题 1"/>
           <p:cNvSpPr>
             <a:spLocks noGrp="1"/>
           </p:cNvSpPr>
@@ -1343,23 +1202,18 @@
               <a:rPr lang="zh-CN" altLang="en-US"/>
               <a:t>单击此处编辑母版标题样式</a:t>
             </a:r>
-          </a:p>
-        </p:txBody>
-      </p:sp>
-      <p:sp>
-        <p:nvSpPr>
-          <p:cNvPr id="3" name="文本占位符 2">
-            <a:extLst>
-              <a:ext uri="{FF2B5EF4-FFF2-40B4-BE49-F238E27FC236}">
-                <a16:creationId xmlns:a16="http://schemas.microsoft.com/office/drawing/2014/main" id="{FAD3E119-8E7B-4708-8930-5FD903E525B4}"/>
-              </a:ext>
-            </a:extLst>
-          </p:cNvPr>
-          <p:cNvSpPr>
-            <a:spLocks noGrp="1"/>
-          </p:cNvSpPr>
-          <p:nvPr>
-            <p:ph type="body" idx="1"/>
+            <a:endParaRPr lang="zh-CN" altLang="en-US"/>
+          </a:p>
+        </p:txBody>
+      </p:sp>
+      <p:sp>
+        <p:nvSpPr>
+          <p:cNvPr id="3" name="文本占位符 2"/>
+          <p:cNvSpPr>
+            <a:spLocks noGrp="1"/>
+          </p:cNvSpPr>
+          <p:nvPr>
+            <p:ph type="body" idx="1" hasCustomPrompt="1"/>
           </p:nvPr>
         </p:nvSpPr>
         <p:spPr>
@@ -1468,18 +1322,13 @@
               <a:rPr lang="zh-CN" altLang="en-US"/>
               <a:t>编辑母版文本样式</a:t>
             </a:r>
-          </a:p>
-        </p:txBody>
-      </p:sp>
-      <p:sp>
-        <p:nvSpPr>
-          <p:cNvPr id="4" name="日期占位符 3">
-            <a:extLst>
-              <a:ext uri="{FF2B5EF4-FFF2-40B4-BE49-F238E27FC236}">
-                <a16:creationId xmlns:a16="http://schemas.microsoft.com/office/drawing/2014/main" id="{4A56A1BD-E0D3-42FA-BAAA-1B024748C87A}"/>
-              </a:ext>
-            </a:extLst>
-          </p:cNvPr>
+            <a:endParaRPr lang="zh-CN" altLang="en-US"/>
+          </a:p>
+        </p:txBody>
+      </p:sp>
+      <p:sp>
+        <p:nvSpPr>
+          <p:cNvPr id="4" name="日期占位符 3"/>
           <p:cNvSpPr>
             <a:spLocks noGrp="1"/>
           </p:cNvSpPr>
@@ -1494,7 +1343,6 @@
           <a:p>
             <a:fld id="{AEB5C05C-CA20-4F93-AB62-3641C803C99E}" type="datetimeFigureOut">
               <a:rPr lang="zh-CN" altLang="en-US" smtClean="0"/>
-              <a:t>2018/11/27</a:t>
             </a:fld>
             <a:endParaRPr lang="zh-CN" altLang="en-US"/>
           </a:p>
@@ -1502,13 +1350,7 @@
       </p:sp>
       <p:sp>
         <p:nvSpPr>
-          <p:cNvPr id="5" name="页脚占位符 4">
-            <a:extLst>
-              <a:ext uri="{FF2B5EF4-FFF2-40B4-BE49-F238E27FC236}">
-                <a16:creationId xmlns:a16="http://schemas.microsoft.com/office/drawing/2014/main" id="{C68203A5-7389-47EF-9B14-78CF943747DE}"/>
-              </a:ext>
-            </a:extLst>
-          </p:cNvPr>
+          <p:cNvPr id="5" name="页脚占位符 4"/>
           <p:cNvSpPr>
             <a:spLocks noGrp="1"/>
           </p:cNvSpPr>
@@ -1527,13 +1369,7 @@
       </p:sp>
       <p:sp>
         <p:nvSpPr>
-          <p:cNvPr id="6" name="灯片编号占位符 5">
-            <a:extLst>
-              <a:ext uri="{FF2B5EF4-FFF2-40B4-BE49-F238E27FC236}">
-                <a16:creationId xmlns:a16="http://schemas.microsoft.com/office/drawing/2014/main" id="{A480153E-12B4-4120-AA13-6FE4AA97F0E4}"/>
-              </a:ext>
-            </a:extLst>
-          </p:cNvPr>
+          <p:cNvPr id="6" name="灯片编号占位符 5"/>
           <p:cNvSpPr>
             <a:spLocks noGrp="1"/>
           </p:cNvSpPr>
@@ -1548,18 +1384,12 @@
           <a:p>
             <a:fld id="{BDC18D54-B4A9-4E95-A1F3-7FD5603A7C52}" type="slidenum">
               <a:rPr lang="zh-CN" altLang="en-US" smtClean="0"/>
-              <a:t>‹#›</a:t>
             </a:fld>
             <a:endParaRPr lang="zh-CN" altLang="en-US"/>
           </a:p>
         </p:txBody>
       </p:sp>
     </p:spTree>
-    <p:extLst>
-      <p:ext uri="{BB962C8B-B14F-4D97-AF65-F5344CB8AC3E}">
-        <p14:creationId xmlns:p14="http://schemas.microsoft.com/office/powerpoint/2010/main" val="3345072068"/>
-      </p:ext>
-    </p:extLst>
   </p:cSld>
   <p:clrMapOvr>
     <a:masterClrMapping/>
@@ -1586,13 +1416,7 @@
       </p:grpSpPr>
       <p:sp>
         <p:nvSpPr>
-          <p:cNvPr id="2" name="标题 1">
-            <a:extLst>
-              <a:ext uri="{FF2B5EF4-FFF2-40B4-BE49-F238E27FC236}">
-                <a16:creationId xmlns:a16="http://schemas.microsoft.com/office/drawing/2014/main" id="{AD221D57-16F2-45C5-9B0A-AEE7C20DCFBB}"/>
-              </a:ext>
-            </a:extLst>
-          </p:cNvPr>
+          <p:cNvPr id="2" name="标题 1"/>
           <p:cNvSpPr>
             <a:spLocks noGrp="1"/>
           </p:cNvSpPr>
@@ -1609,23 +1433,18 @@
               <a:rPr lang="zh-CN" altLang="en-US"/>
               <a:t>单击此处编辑母版标题样式</a:t>
             </a:r>
-          </a:p>
-        </p:txBody>
-      </p:sp>
-      <p:sp>
-        <p:nvSpPr>
-          <p:cNvPr id="3" name="内容占位符 2">
-            <a:extLst>
-              <a:ext uri="{FF2B5EF4-FFF2-40B4-BE49-F238E27FC236}">
-                <a16:creationId xmlns:a16="http://schemas.microsoft.com/office/drawing/2014/main" id="{4F09B6AA-94D6-43B3-958F-BFDBAF0C48A5}"/>
-              </a:ext>
-            </a:extLst>
-          </p:cNvPr>
-          <p:cNvSpPr>
-            <a:spLocks noGrp="1"/>
-          </p:cNvSpPr>
-          <p:nvPr>
-            <p:ph sz="half" idx="1"/>
+            <a:endParaRPr lang="zh-CN" altLang="en-US"/>
+          </a:p>
+        </p:txBody>
+      </p:sp>
+      <p:sp>
+        <p:nvSpPr>
+          <p:cNvPr id="3" name="内容占位符 2"/>
+          <p:cNvSpPr>
+            <a:spLocks noGrp="1"/>
+          </p:cNvSpPr>
+          <p:nvPr>
+            <p:ph sz="half" idx="1" hasCustomPrompt="1"/>
           </p:nvPr>
         </p:nvSpPr>
         <p:spPr>
@@ -1643,6 +1462,7 @@
               <a:rPr lang="zh-CN" altLang="en-US"/>
               <a:t>编辑母版文本样式</a:t>
             </a:r>
+            <a:endParaRPr lang="zh-CN" altLang="en-US"/>
           </a:p>
           <a:p>
             <a:pPr lvl="1"/>
@@ -1650,6 +1470,7 @@
               <a:rPr lang="zh-CN" altLang="en-US"/>
               <a:t>第二级</a:t>
             </a:r>
+            <a:endParaRPr lang="zh-CN" altLang="en-US"/>
           </a:p>
           <a:p>
             <a:pPr lvl="2"/>
@@ -1657,6 +1478,7 @@
               <a:rPr lang="zh-CN" altLang="en-US"/>
               <a:t>第三级</a:t>
             </a:r>
+            <a:endParaRPr lang="zh-CN" altLang="en-US"/>
           </a:p>
           <a:p>
             <a:pPr lvl="3"/>
@@ -1664,6 +1486,7 @@
               <a:rPr lang="zh-CN" altLang="en-US"/>
               <a:t>第四级</a:t>
             </a:r>
+            <a:endParaRPr lang="zh-CN" altLang="en-US"/>
           </a:p>
           <a:p>
             <a:pPr lvl="4"/>
@@ -1671,23 +1494,18 @@
               <a:rPr lang="zh-CN" altLang="en-US"/>
               <a:t>第五级</a:t>
             </a:r>
-          </a:p>
-        </p:txBody>
-      </p:sp>
-      <p:sp>
-        <p:nvSpPr>
-          <p:cNvPr id="4" name="内容占位符 3">
-            <a:extLst>
-              <a:ext uri="{FF2B5EF4-FFF2-40B4-BE49-F238E27FC236}">
-                <a16:creationId xmlns:a16="http://schemas.microsoft.com/office/drawing/2014/main" id="{71D90912-B8F9-451C-A851-D72E307259F8}"/>
-              </a:ext>
-            </a:extLst>
-          </p:cNvPr>
-          <p:cNvSpPr>
-            <a:spLocks noGrp="1"/>
-          </p:cNvSpPr>
-          <p:nvPr>
-            <p:ph sz="half" idx="2"/>
+            <a:endParaRPr lang="zh-CN" altLang="en-US"/>
+          </a:p>
+        </p:txBody>
+      </p:sp>
+      <p:sp>
+        <p:nvSpPr>
+          <p:cNvPr id="4" name="内容占位符 3"/>
+          <p:cNvSpPr>
+            <a:spLocks noGrp="1"/>
+          </p:cNvSpPr>
+          <p:nvPr>
+            <p:ph sz="half" idx="2" hasCustomPrompt="1"/>
           </p:nvPr>
         </p:nvSpPr>
         <p:spPr>
@@ -1705,6 +1523,7 @@
               <a:rPr lang="zh-CN" altLang="en-US"/>
               <a:t>编辑母版文本样式</a:t>
             </a:r>
+            <a:endParaRPr lang="zh-CN" altLang="en-US"/>
           </a:p>
           <a:p>
             <a:pPr lvl="1"/>
@@ -1712,6 +1531,7 @@
               <a:rPr lang="zh-CN" altLang="en-US"/>
               <a:t>第二级</a:t>
             </a:r>
+            <a:endParaRPr lang="zh-CN" altLang="en-US"/>
           </a:p>
           <a:p>
             <a:pPr lvl="2"/>
@@ -1719,6 +1539,7 @@
               <a:rPr lang="zh-CN" altLang="en-US"/>
               <a:t>第三级</a:t>
             </a:r>
+            <a:endParaRPr lang="zh-CN" altLang="en-US"/>
           </a:p>
           <a:p>
             <a:pPr lvl="3"/>
@@ -1726,6 +1547,7 @@
               <a:rPr lang="zh-CN" altLang="en-US"/>
               <a:t>第四级</a:t>
             </a:r>
+            <a:endParaRPr lang="zh-CN" altLang="en-US"/>
           </a:p>
           <a:p>
             <a:pPr lvl="4"/>
@@ -1733,18 +1555,13 @@
               <a:rPr lang="zh-CN" altLang="en-US"/>
               <a:t>第五级</a:t>
             </a:r>
-          </a:p>
-        </p:txBody>
-      </p:sp>
-      <p:sp>
-        <p:nvSpPr>
-          <p:cNvPr id="5" name="日期占位符 4">
-            <a:extLst>
-              <a:ext uri="{FF2B5EF4-FFF2-40B4-BE49-F238E27FC236}">
-                <a16:creationId xmlns:a16="http://schemas.microsoft.com/office/drawing/2014/main" id="{F546F4FE-9DA6-4F5A-AA61-7508B5AA2BC5}"/>
-              </a:ext>
-            </a:extLst>
-          </p:cNvPr>
+            <a:endParaRPr lang="zh-CN" altLang="en-US"/>
+          </a:p>
+        </p:txBody>
+      </p:sp>
+      <p:sp>
+        <p:nvSpPr>
+          <p:cNvPr id="5" name="日期占位符 4"/>
           <p:cNvSpPr>
             <a:spLocks noGrp="1"/>
           </p:cNvSpPr>
@@ -1759,7 +1576,6 @@
           <a:p>
             <a:fld id="{AEB5C05C-CA20-4F93-AB62-3641C803C99E}" type="datetimeFigureOut">
               <a:rPr lang="zh-CN" altLang="en-US" smtClean="0"/>
-              <a:t>2018/11/27</a:t>
             </a:fld>
             <a:endParaRPr lang="zh-CN" altLang="en-US"/>
           </a:p>
@@ -1767,13 +1583,7 @@
       </p:sp>
       <p:sp>
         <p:nvSpPr>
-          <p:cNvPr id="6" name="页脚占位符 5">
-            <a:extLst>
-              <a:ext uri="{FF2B5EF4-FFF2-40B4-BE49-F238E27FC236}">
-                <a16:creationId xmlns:a16="http://schemas.microsoft.com/office/drawing/2014/main" id="{6ABD8D1F-CF91-40CB-AF98-02F87746D8EB}"/>
-              </a:ext>
-            </a:extLst>
-          </p:cNvPr>
+          <p:cNvPr id="6" name="页脚占位符 5"/>
           <p:cNvSpPr>
             <a:spLocks noGrp="1"/>
           </p:cNvSpPr>
@@ -1792,13 +1602,7 @@
       </p:sp>
       <p:sp>
         <p:nvSpPr>
-          <p:cNvPr id="7" name="灯片编号占位符 6">
-            <a:extLst>
-              <a:ext uri="{FF2B5EF4-FFF2-40B4-BE49-F238E27FC236}">
-                <a16:creationId xmlns:a16="http://schemas.microsoft.com/office/drawing/2014/main" id="{77FF9E42-B9FD-4D2D-9E0F-C4014745A51F}"/>
-              </a:ext>
-            </a:extLst>
-          </p:cNvPr>
+          <p:cNvPr id="7" name="灯片编号占位符 6"/>
           <p:cNvSpPr>
             <a:spLocks noGrp="1"/>
           </p:cNvSpPr>
@@ -1813,18 +1617,12 @@
           <a:p>
             <a:fld id="{BDC18D54-B4A9-4E95-A1F3-7FD5603A7C52}" type="slidenum">
               <a:rPr lang="zh-CN" altLang="en-US" smtClean="0"/>
-              <a:t>‹#›</a:t>
             </a:fld>
             <a:endParaRPr lang="zh-CN" altLang="en-US"/>
           </a:p>
         </p:txBody>
       </p:sp>
     </p:spTree>
-    <p:extLst>
-      <p:ext uri="{BB962C8B-B14F-4D97-AF65-F5344CB8AC3E}">
-        <p14:creationId xmlns:p14="http://schemas.microsoft.com/office/powerpoint/2010/main" val="329901998"/>
-      </p:ext>
-    </p:extLst>
   </p:cSld>
   <p:clrMapOvr>
     <a:masterClrMapping/>
@@ -1851,13 +1649,7 @@
       </p:grpSpPr>
       <p:sp>
         <p:nvSpPr>
-          <p:cNvPr id="2" name="标题 1">
-            <a:extLst>
-              <a:ext uri="{FF2B5EF4-FFF2-40B4-BE49-F238E27FC236}">
-                <a16:creationId xmlns:a16="http://schemas.microsoft.com/office/drawing/2014/main" id="{7AAD7FF4-D48F-4A44-B8E5-B4C73BDF2D62}"/>
-              </a:ext>
-            </a:extLst>
-          </p:cNvPr>
+          <p:cNvPr id="2" name="标题 1"/>
           <p:cNvSpPr>
             <a:spLocks noGrp="1"/>
           </p:cNvSpPr>
@@ -1879,23 +1671,18 @@
               <a:rPr lang="zh-CN" altLang="en-US"/>
               <a:t>单击此处编辑母版标题样式</a:t>
             </a:r>
-          </a:p>
-        </p:txBody>
-      </p:sp>
-      <p:sp>
-        <p:nvSpPr>
-          <p:cNvPr id="3" name="文本占位符 2">
-            <a:extLst>
-              <a:ext uri="{FF2B5EF4-FFF2-40B4-BE49-F238E27FC236}">
-                <a16:creationId xmlns:a16="http://schemas.microsoft.com/office/drawing/2014/main" id="{53F6870F-8393-45C5-A9FE-D533792C2FC2}"/>
-              </a:ext>
-            </a:extLst>
-          </p:cNvPr>
-          <p:cNvSpPr>
-            <a:spLocks noGrp="1"/>
-          </p:cNvSpPr>
-          <p:nvPr>
-            <p:ph type="body" idx="1"/>
+            <a:endParaRPr lang="zh-CN" altLang="en-US"/>
+          </a:p>
+        </p:txBody>
+      </p:sp>
+      <p:sp>
+        <p:nvSpPr>
+          <p:cNvPr id="3" name="文本占位符 2"/>
+          <p:cNvSpPr>
+            <a:spLocks noGrp="1"/>
+          </p:cNvSpPr>
+          <p:nvPr>
+            <p:ph type="body" idx="1" hasCustomPrompt="1"/>
           </p:nvPr>
         </p:nvSpPr>
         <p:spPr>
@@ -1950,23 +1737,18 @@
               <a:rPr lang="zh-CN" altLang="en-US"/>
               <a:t>编辑母版文本样式</a:t>
             </a:r>
-          </a:p>
-        </p:txBody>
-      </p:sp>
-      <p:sp>
-        <p:nvSpPr>
-          <p:cNvPr id="4" name="内容占位符 3">
-            <a:extLst>
-              <a:ext uri="{FF2B5EF4-FFF2-40B4-BE49-F238E27FC236}">
-                <a16:creationId xmlns:a16="http://schemas.microsoft.com/office/drawing/2014/main" id="{C99CDFE3-BC0D-4B8D-B9DE-0DAFD37BA85C}"/>
-              </a:ext>
-            </a:extLst>
-          </p:cNvPr>
-          <p:cNvSpPr>
-            <a:spLocks noGrp="1"/>
-          </p:cNvSpPr>
-          <p:nvPr>
-            <p:ph sz="half" idx="2"/>
+            <a:endParaRPr lang="zh-CN" altLang="en-US"/>
+          </a:p>
+        </p:txBody>
+      </p:sp>
+      <p:sp>
+        <p:nvSpPr>
+          <p:cNvPr id="4" name="内容占位符 3"/>
+          <p:cNvSpPr>
+            <a:spLocks noGrp="1"/>
+          </p:cNvSpPr>
+          <p:nvPr>
+            <p:ph sz="half" idx="2" hasCustomPrompt="1"/>
           </p:nvPr>
         </p:nvSpPr>
         <p:spPr>
@@ -1984,6 +1766,7 @@
               <a:rPr lang="zh-CN" altLang="en-US"/>
               <a:t>编辑母版文本样式</a:t>
             </a:r>
+            <a:endParaRPr lang="zh-CN" altLang="en-US"/>
           </a:p>
           <a:p>
             <a:pPr lvl="1"/>
@@ -1991,6 +1774,7 @@
               <a:rPr lang="zh-CN" altLang="en-US"/>
               <a:t>第二级</a:t>
             </a:r>
+            <a:endParaRPr lang="zh-CN" altLang="en-US"/>
           </a:p>
           <a:p>
             <a:pPr lvl="2"/>
@@ -1998,6 +1782,7 @@
               <a:rPr lang="zh-CN" altLang="en-US"/>
               <a:t>第三级</a:t>
             </a:r>
+            <a:endParaRPr lang="zh-CN" altLang="en-US"/>
           </a:p>
           <a:p>
             <a:pPr lvl="3"/>
@@ -2005,6 +1790,7 @@
               <a:rPr lang="zh-CN" altLang="en-US"/>
               <a:t>第四级</a:t>
             </a:r>
+            <a:endParaRPr lang="zh-CN" altLang="en-US"/>
           </a:p>
           <a:p>
             <a:pPr lvl="4"/>
@@ -2012,23 +1798,18 @@
               <a:rPr lang="zh-CN" altLang="en-US"/>
               <a:t>第五级</a:t>
             </a:r>
-          </a:p>
-        </p:txBody>
-      </p:sp>
-      <p:sp>
-        <p:nvSpPr>
-          <p:cNvPr id="5" name="文本占位符 4">
-            <a:extLst>
-              <a:ext uri="{FF2B5EF4-FFF2-40B4-BE49-F238E27FC236}">
-                <a16:creationId xmlns:a16="http://schemas.microsoft.com/office/drawing/2014/main" id="{899CD0B4-0E68-4ED8-B468-6ADA5A1348EF}"/>
-              </a:ext>
-            </a:extLst>
-          </p:cNvPr>
-          <p:cNvSpPr>
-            <a:spLocks noGrp="1"/>
-          </p:cNvSpPr>
-          <p:nvPr>
-            <p:ph type="body" sz="quarter" idx="3"/>
+            <a:endParaRPr lang="zh-CN" altLang="en-US"/>
+          </a:p>
+        </p:txBody>
+      </p:sp>
+      <p:sp>
+        <p:nvSpPr>
+          <p:cNvPr id="5" name="文本占位符 4"/>
+          <p:cNvSpPr>
+            <a:spLocks noGrp="1"/>
+          </p:cNvSpPr>
+          <p:nvPr>
+            <p:ph type="body" sz="quarter" idx="3" hasCustomPrompt="1"/>
           </p:nvPr>
         </p:nvSpPr>
         <p:spPr>
@@ -2083,23 +1864,18 @@
               <a:rPr lang="zh-CN" altLang="en-US"/>
               <a:t>编辑母版文本样式</a:t>
             </a:r>
-          </a:p>
-        </p:txBody>
-      </p:sp>
-      <p:sp>
-        <p:nvSpPr>
-          <p:cNvPr id="6" name="内容占位符 5">
-            <a:extLst>
-              <a:ext uri="{FF2B5EF4-FFF2-40B4-BE49-F238E27FC236}">
-                <a16:creationId xmlns:a16="http://schemas.microsoft.com/office/drawing/2014/main" id="{0C1426F3-3CE8-450B-AD84-6CE3D866482D}"/>
-              </a:ext>
-            </a:extLst>
-          </p:cNvPr>
-          <p:cNvSpPr>
-            <a:spLocks noGrp="1"/>
-          </p:cNvSpPr>
-          <p:nvPr>
-            <p:ph sz="quarter" idx="4"/>
+            <a:endParaRPr lang="zh-CN" altLang="en-US"/>
+          </a:p>
+        </p:txBody>
+      </p:sp>
+      <p:sp>
+        <p:nvSpPr>
+          <p:cNvPr id="6" name="内容占位符 5"/>
+          <p:cNvSpPr>
+            <a:spLocks noGrp="1"/>
+          </p:cNvSpPr>
+          <p:nvPr>
+            <p:ph sz="quarter" idx="4" hasCustomPrompt="1"/>
           </p:nvPr>
         </p:nvSpPr>
         <p:spPr>
@@ -2117,6 +1893,7 @@
               <a:rPr lang="zh-CN" altLang="en-US"/>
               <a:t>编辑母版文本样式</a:t>
             </a:r>
+            <a:endParaRPr lang="zh-CN" altLang="en-US"/>
           </a:p>
           <a:p>
             <a:pPr lvl="1"/>
@@ -2124,6 +1901,7 @@
               <a:rPr lang="zh-CN" altLang="en-US"/>
               <a:t>第二级</a:t>
             </a:r>
+            <a:endParaRPr lang="zh-CN" altLang="en-US"/>
           </a:p>
           <a:p>
             <a:pPr lvl="2"/>
@@ -2131,6 +1909,7 @@
               <a:rPr lang="zh-CN" altLang="en-US"/>
               <a:t>第三级</a:t>
             </a:r>
+            <a:endParaRPr lang="zh-CN" altLang="en-US"/>
           </a:p>
           <a:p>
             <a:pPr lvl="3"/>
@@ -2138,6 +1917,7 @@
               <a:rPr lang="zh-CN" altLang="en-US"/>
               <a:t>第四级</a:t>
             </a:r>
+            <a:endParaRPr lang="zh-CN" altLang="en-US"/>
           </a:p>
           <a:p>
             <a:pPr lvl="4"/>
@@ -2145,18 +1925,13 @@
               <a:rPr lang="zh-CN" altLang="en-US"/>
               <a:t>第五级</a:t>
             </a:r>
-          </a:p>
-        </p:txBody>
-      </p:sp>
-      <p:sp>
-        <p:nvSpPr>
-          <p:cNvPr id="7" name="日期占位符 6">
-            <a:extLst>
-              <a:ext uri="{FF2B5EF4-FFF2-40B4-BE49-F238E27FC236}">
-                <a16:creationId xmlns:a16="http://schemas.microsoft.com/office/drawing/2014/main" id="{90410860-DDEF-4833-985D-C55F8A98BB1E}"/>
-              </a:ext>
-            </a:extLst>
-          </p:cNvPr>
+            <a:endParaRPr lang="zh-CN" altLang="en-US"/>
+          </a:p>
+        </p:txBody>
+      </p:sp>
+      <p:sp>
+        <p:nvSpPr>
+          <p:cNvPr id="7" name="日期占位符 6"/>
           <p:cNvSpPr>
             <a:spLocks noGrp="1"/>
           </p:cNvSpPr>
@@ -2171,7 +1946,6 @@
           <a:p>
             <a:fld id="{AEB5C05C-CA20-4F93-AB62-3641C803C99E}" type="datetimeFigureOut">
               <a:rPr lang="zh-CN" altLang="en-US" smtClean="0"/>
-              <a:t>2018/11/27</a:t>
             </a:fld>
             <a:endParaRPr lang="zh-CN" altLang="en-US"/>
           </a:p>
@@ -2179,13 +1953,7 @@
       </p:sp>
       <p:sp>
         <p:nvSpPr>
-          <p:cNvPr id="8" name="页脚占位符 7">
-            <a:extLst>
-              <a:ext uri="{FF2B5EF4-FFF2-40B4-BE49-F238E27FC236}">
-                <a16:creationId xmlns:a16="http://schemas.microsoft.com/office/drawing/2014/main" id="{7146E8F0-490E-412D-93CE-8239E31D249B}"/>
-              </a:ext>
-            </a:extLst>
-          </p:cNvPr>
+          <p:cNvPr id="8" name="页脚占位符 7"/>
           <p:cNvSpPr>
             <a:spLocks noGrp="1"/>
           </p:cNvSpPr>
@@ -2204,13 +1972,7 @@
       </p:sp>
       <p:sp>
         <p:nvSpPr>
-          <p:cNvPr id="9" name="灯片编号占位符 8">
-            <a:extLst>
-              <a:ext uri="{FF2B5EF4-FFF2-40B4-BE49-F238E27FC236}">
-                <a16:creationId xmlns:a16="http://schemas.microsoft.com/office/drawing/2014/main" id="{812F56AD-9CAA-431E-9050-BCD7FD34D5EE}"/>
-              </a:ext>
-            </a:extLst>
-          </p:cNvPr>
+          <p:cNvPr id="9" name="灯片编号占位符 8"/>
           <p:cNvSpPr>
             <a:spLocks noGrp="1"/>
           </p:cNvSpPr>
@@ -2225,18 +1987,12 @@
           <a:p>
             <a:fld id="{BDC18D54-B4A9-4E95-A1F3-7FD5603A7C52}" type="slidenum">
               <a:rPr lang="zh-CN" altLang="en-US" smtClean="0"/>
-              <a:t>‹#›</a:t>
             </a:fld>
             <a:endParaRPr lang="zh-CN" altLang="en-US"/>
           </a:p>
         </p:txBody>
       </p:sp>
     </p:spTree>
-    <p:extLst>
-      <p:ext uri="{BB962C8B-B14F-4D97-AF65-F5344CB8AC3E}">
-        <p14:creationId xmlns:p14="http://schemas.microsoft.com/office/powerpoint/2010/main" val="456875003"/>
-      </p:ext>
-    </p:extLst>
   </p:cSld>
   <p:clrMapOvr>
     <a:masterClrMapping/>
@@ -2263,13 +2019,7 @@
       </p:grpSpPr>
       <p:sp>
         <p:nvSpPr>
-          <p:cNvPr id="2" name="标题 1">
-            <a:extLst>
-              <a:ext uri="{FF2B5EF4-FFF2-40B4-BE49-F238E27FC236}">
-                <a16:creationId xmlns:a16="http://schemas.microsoft.com/office/drawing/2014/main" id="{46DC5D30-DCF4-4852-9ADD-F1CC496497CF}"/>
-              </a:ext>
-            </a:extLst>
-          </p:cNvPr>
+          <p:cNvPr id="2" name="标题 1"/>
           <p:cNvSpPr>
             <a:spLocks noGrp="1"/>
           </p:cNvSpPr>
@@ -2286,18 +2036,13 @@
               <a:rPr lang="zh-CN" altLang="en-US"/>
               <a:t>单击此处编辑母版标题样式</a:t>
             </a:r>
-          </a:p>
-        </p:txBody>
-      </p:sp>
-      <p:sp>
-        <p:nvSpPr>
-          <p:cNvPr id="3" name="日期占位符 2">
-            <a:extLst>
-              <a:ext uri="{FF2B5EF4-FFF2-40B4-BE49-F238E27FC236}">
-                <a16:creationId xmlns:a16="http://schemas.microsoft.com/office/drawing/2014/main" id="{87685F59-5A88-45F1-88F7-F33BB431D601}"/>
-              </a:ext>
-            </a:extLst>
-          </p:cNvPr>
+            <a:endParaRPr lang="zh-CN" altLang="en-US"/>
+          </a:p>
+        </p:txBody>
+      </p:sp>
+      <p:sp>
+        <p:nvSpPr>
+          <p:cNvPr id="3" name="日期占位符 2"/>
           <p:cNvSpPr>
             <a:spLocks noGrp="1"/>
           </p:cNvSpPr>
@@ -2312,7 +2057,6 @@
           <a:p>
             <a:fld id="{AEB5C05C-CA20-4F93-AB62-3641C803C99E}" type="datetimeFigureOut">
               <a:rPr lang="zh-CN" altLang="en-US" smtClean="0"/>
-              <a:t>2018/11/27</a:t>
             </a:fld>
             <a:endParaRPr lang="zh-CN" altLang="en-US"/>
           </a:p>
@@ -2320,13 +2064,7 @@
       </p:sp>
       <p:sp>
         <p:nvSpPr>
-          <p:cNvPr id="4" name="页脚占位符 3">
-            <a:extLst>
-              <a:ext uri="{FF2B5EF4-FFF2-40B4-BE49-F238E27FC236}">
-                <a16:creationId xmlns:a16="http://schemas.microsoft.com/office/drawing/2014/main" id="{813DF725-CD07-4958-8301-6399BE98F9E3}"/>
-              </a:ext>
-            </a:extLst>
-          </p:cNvPr>
+          <p:cNvPr id="4" name="页脚占位符 3"/>
           <p:cNvSpPr>
             <a:spLocks noGrp="1"/>
           </p:cNvSpPr>
@@ -2345,13 +2083,7 @@
       </p:sp>
       <p:sp>
         <p:nvSpPr>
-          <p:cNvPr id="5" name="灯片编号占位符 4">
-            <a:extLst>
-              <a:ext uri="{FF2B5EF4-FFF2-40B4-BE49-F238E27FC236}">
-                <a16:creationId xmlns:a16="http://schemas.microsoft.com/office/drawing/2014/main" id="{37DB8F2A-0340-48F3-B739-4FD8BBC8048F}"/>
-              </a:ext>
-            </a:extLst>
-          </p:cNvPr>
+          <p:cNvPr id="5" name="灯片编号占位符 4"/>
           <p:cNvSpPr>
             <a:spLocks noGrp="1"/>
           </p:cNvSpPr>
@@ -2366,18 +2098,12 @@
           <a:p>
             <a:fld id="{BDC18D54-B4A9-4E95-A1F3-7FD5603A7C52}" type="slidenum">
               <a:rPr lang="zh-CN" altLang="en-US" smtClean="0"/>
-              <a:t>‹#›</a:t>
             </a:fld>
             <a:endParaRPr lang="zh-CN" altLang="en-US"/>
           </a:p>
         </p:txBody>
       </p:sp>
     </p:spTree>
-    <p:extLst>
-      <p:ext uri="{BB962C8B-B14F-4D97-AF65-F5344CB8AC3E}">
-        <p14:creationId xmlns:p14="http://schemas.microsoft.com/office/powerpoint/2010/main" val="2438265106"/>
-      </p:ext>
-    </p:extLst>
   </p:cSld>
   <p:clrMapOvr>
     <a:masterClrMapping/>
@@ -2404,13 +2130,7 @@
       </p:grpSpPr>
       <p:sp>
         <p:nvSpPr>
-          <p:cNvPr id="2" name="日期占位符 1">
-            <a:extLst>
-              <a:ext uri="{FF2B5EF4-FFF2-40B4-BE49-F238E27FC236}">
-                <a16:creationId xmlns:a16="http://schemas.microsoft.com/office/drawing/2014/main" id="{96A35EF1-BF71-481D-BAF2-47A907228A1C}"/>
-              </a:ext>
-            </a:extLst>
-          </p:cNvPr>
+          <p:cNvPr id="2" name="日期占位符 1"/>
           <p:cNvSpPr>
             <a:spLocks noGrp="1"/>
           </p:cNvSpPr>
@@ -2425,7 +2145,6 @@
           <a:p>
             <a:fld id="{AEB5C05C-CA20-4F93-AB62-3641C803C99E}" type="datetimeFigureOut">
               <a:rPr lang="zh-CN" altLang="en-US" smtClean="0"/>
-              <a:t>2018/11/27</a:t>
             </a:fld>
             <a:endParaRPr lang="zh-CN" altLang="en-US"/>
           </a:p>
@@ -2433,13 +2152,7 @@
       </p:sp>
       <p:sp>
         <p:nvSpPr>
-          <p:cNvPr id="3" name="页脚占位符 2">
-            <a:extLst>
-              <a:ext uri="{FF2B5EF4-FFF2-40B4-BE49-F238E27FC236}">
-                <a16:creationId xmlns:a16="http://schemas.microsoft.com/office/drawing/2014/main" id="{BC18AA2C-E5BC-45CF-9C50-D10092DF87D4}"/>
-              </a:ext>
-            </a:extLst>
-          </p:cNvPr>
+          <p:cNvPr id="3" name="页脚占位符 2"/>
           <p:cNvSpPr>
             <a:spLocks noGrp="1"/>
           </p:cNvSpPr>
@@ -2458,13 +2171,7 @@
       </p:sp>
       <p:sp>
         <p:nvSpPr>
-          <p:cNvPr id="4" name="灯片编号占位符 3">
-            <a:extLst>
-              <a:ext uri="{FF2B5EF4-FFF2-40B4-BE49-F238E27FC236}">
-                <a16:creationId xmlns:a16="http://schemas.microsoft.com/office/drawing/2014/main" id="{0E671D5F-EFFD-4988-A395-B3FFB49BDCCA}"/>
-              </a:ext>
-            </a:extLst>
-          </p:cNvPr>
+          <p:cNvPr id="4" name="灯片编号占位符 3"/>
           <p:cNvSpPr>
             <a:spLocks noGrp="1"/>
           </p:cNvSpPr>
@@ -2479,18 +2186,12 @@
           <a:p>
             <a:fld id="{BDC18D54-B4A9-4E95-A1F3-7FD5603A7C52}" type="slidenum">
               <a:rPr lang="zh-CN" altLang="en-US" smtClean="0"/>
-              <a:t>‹#›</a:t>
             </a:fld>
             <a:endParaRPr lang="zh-CN" altLang="en-US"/>
           </a:p>
         </p:txBody>
       </p:sp>
     </p:spTree>
-    <p:extLst>
-      <p:ext uri="{BB962C8B-B14F-4D97-AF65-F5344CB8AC3E}">
-        <p14:creationId xmlns:p14="http://schemas.microsoft.com/office/powerpoint/2010/main" val="1693325582"/>
-      </p:ext>
-    </p:extLst>
   </p:cSld>
   <p:clrMapOvr>
     <a:masterClrMapping/>
@@ -2517,13 +2218,7 @@
       </p:grpSpPr>
       <p:sp>
         <p:nvSpPr>
-          <p:cNvPr id="2" name="标题 1">
-            <a:extLst>
-              <a:ext uri="{FF2B5EF4-FFF2-40B4-BE49-F238E27FC236}">
-                <a16:creationId xmlns:a16="http://schemas.microsoft.com/office/drawing/2014/main" id="{02014565-BDD6-44BB-A322-0543023B3D44}"/>
-              </a:ext>
-            </a:extLst>
-          </p:cNvPr>
+          <p:cNvPr id="2" name="标题 1"/>
           <p:cNvSpPr>
             <a:spLocks noGrp="1"/>
           </p:cNvSpPr>
@@ -2549,23 +2244,18 @@
               <a:rPr lang="zh-CN" altLang="en-US"/>
               <a:t>单击此处编辑母版标题样式</a:t>
             </a:r>
-          </a:p>
-        </p:txBody>
-      </p:sp>
-      <p:sp>
-        <p:nvSpPr>
-          <p:cNvPr id="3" name="内容占位符 2">
-            <a:extLst>
-              <a:ext uri="{FF2B5EF4-FFF2-40B4-BE49-F238E27FC236}">
-                <a16:creationId xmlns:a16="http://schemas.microsoft.com/office/drawing/2014/main" id="{98459811-C6B3-4E89-8349-094EB67B3268}"/>
-              </a:ext>
-            </a:extLst>
-          </p:cNvPr>
-          <p:cNvSpPr>
-            <a:spLocks noGrp="1"/>
-          </p:cNvSpPr>
-          <p:nvPr>
-            <p:ph idx="1"/>
+            <a:endParaRPr lang="zh-CN" altLang="en-US"/>
+          </a:p>
+        </p:txBody>
+      </p:sp>
+      <p:sp>
+        <p:nvSpPr>
+          <p:cNvPr id="3" name="内容占位符 2"/>
+          <p:cNvSpPr>
+            <a:spLocks noGrp="1"/>
+          </p:cNvSpPr>
+          <p:nvPr>
+            <p:ph idx="1" hasCustomPrompt="1"/>
           </p:nvPr>
         </p:nvSpPr>
         <p:spPr>
@@ -2611,6 +2301,7 @@
               <a:rPr lang="zh-CN" altLang="en-US"/>
               <a:t>编辑母版文本样式</a:t>
             </a:r>
+            <a:endParaRPr lang="zh-CN" altLang="en-US"/>
           </a:p>
           <a:p>
             <a:pPr lvl="1"/>
@@ -2618,6 +2309,7 @@
               <a:rPr lang="zh-CN" altLang="en-US"/>
               <a:t>第二级</a:t>
             </a:r>
+            <a:endParaRPr lang="zh-CN" altLang="en-US"/>
           </a:p>
           <a:p>
             <a:pPr lvl="2"/>
@@ -2625,6 +2317,7 @@
               <a:rPr lang="zh-CN" altLang="en-US"/>
               <a:t>第三级</a:t>
             </a:r>
+            <a:endParaRPr lang="zh-CN" altLang="en-US"/>
           </a:p>
           <a:p>
             <a:pPr lvl="3"/>
@@ -2632,6 +2325,7 @@
               <a:rPr lang="zh-CN" altLang="en-US"/>
               <a:t>第四级</a:t>
             </a:r>
+            <a:endParaRPr lang="zh-CN" altLang="en-US"/>
           </a:p>
           <a:p>
             <a:pPr lvl="4"/>
@@ -2639,23 +2333,18 @@
               <a:rPr lang="zh-CN" altLang="en-US"/>
               <a:t>第五级</a:t>
             </a:r>
-          </a:p>
-        </p:txBody>
-      </p:sp>
-      <p:sp>
-        <p:nvSpPr>
-          <p:cNvPr id="4" name="文本占位符 3">
-            <a:extLst>
-              <a:ext uri="{FF2B5EF4-FFF2-40B4-BE49-F238E27FC236}">
-                <a16:creationId xmlns:a16="http://schemas.microsoft.com/office/drawing/2014/main" id="{FC206FE3-E1EA-4D84-980F-41325E2FB087}"/>
-              </a:ext>
-            </a:extLst>
-          </p:cNvPr>
-          <p:cNvSpPr>
-            <a:spLocks noGrp="1"/>
-          </p:cNvSpPr>
-          <p:nvPr>
-            <p:ph type="body" sz="half" idx="2"/>
+            <a:endParaRPr lang="zh-CN" altLang="en-US"/>
+          </a:p>
+        </p:txBody>
+      </p:sp>
+      <p:sp>
+        <p:nvSpPr>
+          <p:cNvPr id="4" name="文本占位符 3"/>
+          <p:cNvSpPr>
+            <a:spLocks noGrp="1"/>
+          </p:cNvSpPr>
+          <p:nvPr>
+            <p:ph type="body" sz="half" idx="2" hasCustomPrompt="1"/>
           </p:nvPr>
         </p:nvSpPr>
         <p:spPr>
@@ -2710,18 +2399,13 @@
               <a:rPr lang="zh-CN" altLang="en-US"/>
               <a:t>编辑母版文本样式</a:t>
             </a:r>
-          </a:p>
-        </p:txBody>
-      </p:sp>
-      <p:sp>
-        <p:nvSpPr>
-          <p:cNvPr id="5" name="日期占位符 4">
-            <a:extLst>
-              <a:ext uri="{FF2B5EF4-FFF2-40B4-BE49-F238E27FC236}">
-                <a16:creationId xmlns:a16="http://schemas.microsoft.com/office/drawing/2014/main" id="{14C103F8-B012-4A1F-BA4E-A322489A3D52}"/>
-              </a:ext>
-            </a:extLst>
-          </p:cNvPr>
+            <a:endParaRPr lang="zh-CN" altLang="en-US"/>
+          </a:p>
+        </p:txBody>
+      </p:sp>
+      <p:sp>
+        <p:nvSpPr>
+          <p:cNvPr id="5" name="日期占位符 4"/>
           <p:cNvSpPr>
             <a:spLocks noGrp="1"/>
           </p:cNvSpPr>
@@ -2736,7 +2420,6 @@
           <a:p>
             <a:fld id="{AEB5C05C-CA20-4F93-AB62-3641C803C99E}" type="datetimeFigureOut">
               <a:rPr lang="zh-CN" altLang="en-US" smtClean="0"/>
-              <a:t>2018/11/27</a:t>
             </a:fld>
             <a:endParaRPr lang="zh-CN" altLang="en-US"/>
           </a:p>
@@ -2744,13 +2427,7 @@
       </p:sp>
       <p:sp>
         <p:nvSpPr>
-          <p:cNvPr id="6" name="页脚占位符 5">
-            <a:extLst>
-              <a:ext uri="{FF2B5EF4-FFF2-40B4-BE49-F238E27FC236}">
-                <a16:creationId xmlns:a16="http://schemas.microsoft.com/office/drawing/2014/main" id="{D7AE0E59-4B17-4ACE-B0D5-9ECCECC4EC42}"/>
-              </a:ext>
-            </a:extLst>
-          </p:cNvPr>
+          <p:cNvPr id="6" name="页脚占位符 5"/>
           <p:cNvSpPr>
             <a:spLocks noGrp="1"/>
           </p:cNvSpPr>
@@ -2769,13 +2446,7 @@
       </p:sp>
       <p:sp>
         <p:nvSpPr>
-          <p:cNvPr id="7" name="灯片编号占位符 6">
-            <a:extLst>
-              <a:ext uri="{FF2B5EF4-FFF2-40B4-BE49-F238E27FC236}">
-                <a16:creationId xmlns:a16="http://schemas.microsoft.com/office/drawing/2014/main" id="{04BE9FE2-AD45-43A0-93C7-B0D2E478B415}"/>
-              </a:ext>
-            </a:extLst>
-          </p:cNvPr>
+          <p:cNvPr id="7" name="灯片编号占位符 6"/>
           <p:cNvSpPr>
             <a:spLocks noGrp="1"/>
           </p:cNvSpPr>
@@ -2790,18 +2461,12 @@
           <a:p>
             <a:fld id="{BDC18D54-B4A9-4E95-A1F3-7FD5603A7C52}" type="slidenum">
               <a:rPr lang="zh-CN" altLang="en-US" smtClean="0"/>
-              <a:t>‹#›</a:t>
             </a:fld>
             <a:endParaRPr lang="zh-CN" altLang="en-US"/>
           </a:p>
         </p:txBody>
       </p:sp>
     </p:spTree>
-    <p:extLst>
-      <p:ext uri="{BB962C8B-B14F-4D97-AF65-F5344CB8AC3E}">
-        <p14:creationId xmlns:p14="http://schemas.microsoft.com/office/powerpoint/2010/main" val="4251799532"/>
-      </p:ext>
-    </p:extLst>
   </p:cSld>
   <p:clrMapOvr>
     <a:masterClrMapping/>
@@ -2828,13 +2493,7 @@
       </p:grpSpPr>
       <p:sp>
         <p:nvSpPr>
-          <p:cNvPr id="2" name="标题 1">
-            <a:extLst>
-              <a:ext uri="{FF2B5EF4-FFF2-40B4-BE49-F238E27FC236}">
-                <a16:creationId xmlns:a16="http://schemas.microsoft.com/office/drawing/2014/main" id="{6BA0BCFC-0009-42F3-B784-9F0DBDDEE2AF}"/>
-              </a:ext>
-            </a:extLst>
-          </p:cNvPr>
+          <p:cNvPr id="2" name="标题 1"/>
           <p:cNvSpPr>
             <a:spLocks noGrp="1"/>
           </p:cNvSpPr>
@@ -2860,18 +2519,13 @@
               <a:rPr lang="zh-CN" altLang="en-US"/>
               <a:t>单击此处编辑母版标题样式</a:t>
             </a:r>
-          </a:p>
-        </p:txBody>
-      </p:sp>
-      <p:sp>
-        <p:nvSpPr>
-          <p:cNvPr id="3" name="图片占位符 2">
-            <a:extLst>
-              <a:ext uri="{FF2B5EF4-FFF2-40B4-BE49-F238E27FC236}">
-                <a16:creationId xmlns:a16="http://schemas.microsoft.com/office/drawing/2014/main" id="{E2E8EDEB-B8F0-48E5-957C-78F5BA10C067}"/>
-              </a:ext>
-            </a:extLst>
-          </p:cNvPr>
+            <a:endParaRPr lang="zh-CN" altLang="en-US"/>
+          </a:p>
+        </p:txBody>
+      </p:sp>
+      <p:sp>
+        <p:nvSpPr>
+          <p:cNvPr id="3" name="图片占位符 2"/>
           <p:cNvSpPr>
             <a:spLocks noGrp="1"/>
           </p:cNvSpPr>
@@ -2932,18 +2586,12 @@
       </p:sp>
       <p:sp>
         <p:nvSpPr>
-          <p:cNvPr id="4" name="文本占位符 3">
-            <a:extLst>
-              <a:ext uri="{FF2B5EF4-FFF2-40B4-BE49-F238E27FC236}">
-                <a16:creationId xmlns:a16="http://schemas.microsoft.com/office/drawing/2014/main" id="{1FE0106A-2732-4BEF-99DA-1FA3D28B52B7}"/>
-              </a:ext>
-            </a:extLst>
-          </p:cNvPr>
-          <p:cNvSpPr>
-            <a:spLocks noGrp="1"/>
-          </p:cNvSpPr>
-          <p:nvPr>
-            <p:ph type="body" sz="half" idx="2"/>
+          <p:cNvPr id="4" name="文本占位符 3"/>
+          <p:cNvSpPr>
+            <a:spLocks noGrp="1"/>
+          </p:cNvSpPr>
+          <p:nvPr>
+            <p:ph type="body" sz="half" idx="2" hasCustomPrompt="1"/>
           </p:nvPr>
         </p:nvSpPr>
         <p:spPr>
@@ -2998,18 +2646,13 @@
               <a:rPr lang="zh-CN" altLang="en-US"/>
               <a:t>编辑母版文本样式</a:t>
             </a:r>
-          </a:p>
-        </p:txBody>
-      </p:sp>
-      <p:sp>
-        <p:nvSpPr>
-          <p:cNvPr id="5" name="日期占位符 4">
-            <a:extLst>
-              <a:ext uri="{FF2B5EF4-FFF2-40B4-BE49-F238E27FC236}">
-                <a16:creationId xmlns:a16="http://schemas.microsoft.com/office/drawing/2014/main" id="{E9D11C6F-D4FF-4C7C-9A91-D2A213B94135}"/>
-              </a:ext>
-            </a:extLst>
-          </p:cNvPr>
+            <a:endParaRPr lang="zh-CN" altLang="en-US"/>
+          </a:p>
+        </p:txBody>
+      </p:sp>
+      <p:sp>
+        <p:nvSpPr>
+          <p:cNvPr id="5" name="日期占位符 4"/>
           <p:cNvSpPr>
             <a:spLocks noGrp="1"/>
           </p:cNvSpPr>
@@ -3024,7 +2667,6 @@
           <a:p>
             <a:fld id="{AEB5C05C-CA20-4F93-AB62-3641C803C99E}" type="datetimeFigureOut">
               <a:rPr lang="zh-CN" altLang="en-US" smtClean="0"/>
-              <a:t>2018/11/27</a:t>
             </a:fld>
             <a:endParaRPr lang="zh-CN" altLang="en-US"/>
           </a:p>
@@ -3032,13 +2674,7 @@
       </p:sp>
       <p:sp>
         <p:nvSpPr>
-          <p:cNvPr id="6" name="页脚占位符 5">
-            <a:extLst>
-              <a:ext uri="{FF2B5EF4-FFF2-40B4-BE49-F238E27FC236}">
-                <a16:creationId xmlns:a16="http://schemas.microsoft.com/office/drawing/2014/main" id="{1F617A34-5D0B-433A-81FA-28B2C46761FF}"/>
-              </a:ext>
-            </a:extLst>
-          </p:cNvPr>
+          <p:cNvPr id="6" name="页脚占位符 5"/>
           <p:cNvSpPr>
             <a:spLocks noGrp="1"/>
           </p:cNvSpPr>
@@ -3057,13 +2693,7 @@
       </p:sp>
       <p:sp>
         <p:nvSpPr>
-          <p:cNvPr id="7" name="灯片编号占位符 6">
-            <a:extLst>
-              <a:ext uri="{FF2B5EF4-FFF2-40B4-BE49-F238E27FC236}">
-                <a16:creationId xmlns:a16="http://schemas.microsoft.com/office/drawing/2014/main" id="{A00523E0-E488-4296-A834-3B46AAE81D14}"/>
-              </a:ext>
-            </a:extLst>
-          </p:cNvPr>
+          <p:cNvPr id="7" name="灯片编号占位符 6"/>
           <p:cNvSpPr>
             <a:spLocks noGrp="1"/>
           </p:cNvSpPr>
@@ -3078,18 +2708,12 @@
           <a:p>
             <a:fld id="{BDC18D54-B4A9-4E95-A1F3-7FD5603A7C52}" type="slidenum">
               <a:rPr lang="zh-CN" altLang="en-US" smtClean="0"/>
-              <a:t>‹#›</a:t>
             </a:fld>
             <a:endParaRPr lang="zh-CN" altLang="en-US"/>
           </a:p>
         </p:txBody>
       </p:sp>
     </p:spTree>
-    <p:extLst>
-      <p:ext uri="{BB962C8B-B14F-4D97-AF65-F5344CB8AC3E}">
-        <p14:creationId xmlns:p14="http://schemas.microsoft.com/office/powerpoint/2010/main" val="1517796227"/>
-      </p:ext>
-    </p:extLst>
   </p:cSld>
   <p:clrMapOvr>
     <a:masterClrMapping/>
@@ -3121,13 +2745,7 @@
       </p:grpSpPr>
       <p:sp>
         <p:nvSpPr>
-          <p:cNvPr id="2" name="标题占位符 1">
-            <a:extLst>
-              <a:ext uri="{FF2B5EF4-FFF2-40B4-BE49-F238E27FC236}">
-                <a16:creationId xmlns:a16="http://schemas.microsoft.com/office/drawing/2014/main" id="{21D026AF-7466-4280-834D-FA9AAAA026DD}"/>
-              </a:ext>
-            </a:extLst>
-          </p:cNvPr>
+          <p:cNvPr id="2" name="标题占位符 1"/>
           <p:cNvSpPr>
             <a:spLocks noGrp="1"/>
           </p:cNvSpPr>
@@ -3154,18 +2772,13 @@
               <a:rPr lang="zh-CN" altLang="en-US"/>
               <a:t>单击此处编辑母版标题样式</a:t>
             </a:r>
-          </a:p>
-        </p:txBody>
-      </p:sp>
-      <p:sp>
-        <p:nvSpPr>
-          <p:cNvPr id="3" name="文本占位符 2">
-            <a:extLst>
-              <a:ext uri="{FF2B5EF4-FFF2-40B4-BE49-F238E27FC236}">
-                <a16:creationId xmlns:a16="http://schemas.microsoft.com/office/drawing/2014/main" id="{21F00651-F53E-405A-86E3-289CF524C0F3}"/>
-              </a:ext>
-            </a:extLst>
-          </p:cNvPr>
+            <a:endParaRPr lang="zh-CN" altLang="en-US"/>
+          </a:p>
+        </p:txBody>
+      </p:sp>
+      <p:sp>
+        <p:nvSpPr>
+          <p:cNvPr id="3" name="文本占位符 2"/>
           <p:cNvSpPr>
             <a:spLocks noGrp="1"/>
           </p:cNvSpPr>
@@ -3193,6 +2806,7 @@
               <a:rPr lang="zh-CN" altLang="en-US"/>
               <a:t>编辑母版文本样式</a:t>
             </a:r>
+            <a:endParaRPr lang="zh-CN" altLang="en-US"/>
           </a:p>
           <a:p>
             <a:pPr lvl="1"/>
@@ -3200,6 +2814,7 @@
               <a:rPr lang="zh-CN" altLang="en-US"/>
               <a:t>第二级</a:t>
             </a:r>
+            <a:endParaRPr lang="zh-CN" altLang="en-US"/>
           </a:p>
           <a:p>
             <a:pPr lvl="2"/>
@@ -3207,6 +2822,7 @@
               <a:rPr lang="zh-CN" altLang="en-US"/>
               <a:t>第三级</a:t>
             </a:r>
+            <a:endParaRPr lang="zh-CN" altLang="en-US"/>
           </a:p>
           <a:p>
             <a:pPr lvl="3"/>
@@ -3214,6 +2830,7 @@
               <a:rPr lang="zh-CN" altLang="en-US"/>
               <a:t>第四级</a:t>
             </a:r>
+            <a:endParaRPr lang="zh-CN" altLang="en-US"/>
           </a:p>
           <a:p>
             <a:pPr lvl="4"/>
@@ -3221,18 +2838,13 @@
               <a:rPr lang="zh-CN" altLang="en-US"/>
               <a:t>第五级</a:t>
             </a:r>
-          </a:p>
-        </p:txBody>
-      </p:sp>
-      <p:sp>
-        <p:nvSpPr>
-          <p:cNvPr id="4" name="日期占位符 3">
-            <a:extLst>
-              <a:ext uri="{FF2B5EF4-FFF2-40B4-BE49-F238E27FC236}">
-                <a16:creationId xmlns:a16="http://schemas.microsoft.com/office/drawing/2014/main" id="{0789D1A9-3785-4065-B717-984573D009FA}"/>
-              </a:ext>
-            </a:extLst>
-          </p:cNvPr>
+            <a:endParaRPr lang="zh-CN" altLang="en-US"/>
+          </a:p>
+        </p:txBody>
+      </p:sp>
+      <p:sp>
+        <p:nvSpPr>
+          <p:cNvPr id="4" name="日期占位符 3"/>
           <p:cNvSpPr>
             <a:spLocks noGrp="1"/>
           </p:cNvSpPr>
@@ -3265,7 +2877,6 @@
           <a:p>
             <a:fld id="{AEB5C05C-CA20-4F93-AB62-3641C803C99E}" type="datetimeFigureOut">
               <a:rPr lang="zh-CN" altLang="en-US" smtClean="0"/>
-              <a:t>2018/11/27</a:t>
             </a:fld>
             <a:endParaRPr lang="zh-CN" altLang="en-US"/>
           </a:p>
@@ -3273,13 +2884,7 @@
       </p:sp>
       <p:sp>
         <p:nvSpPr>
-          <p:cNvPr id="5" name="页脚占位符 4">
-            <a:extLst>
-              <a:ext uri="{FF2B5EF4-FFF2-40B4-BE49-F238E27FC236}">
-                <a16:creationId xmlns:a16="http://schemas.microsoft.com/office/drawing/2014/main" id="{54C2A901-F47D-4312-87CE-1231E4C8BC84}"/>
-              </a:ext>
-            </a:extLst>
-          </p:cNvPr>
+          <p:cNvPr id="5" name="页脚占位符 4"/>
           <p:cNvSpPr>
             <a:spLocks noGrp="1"/>
           </p:cNvSpPr>
@@ -3316,13 +2921,7 @@
       </p:sp>
       <p:sp>
         <p:nvSpPr>
-          <p:cNvPr id="6" name="灯片编号占位符 5">
-            <a:extLst>
-              <a:ext uri="{FF2B5EF4-FFF2-40B4-BE49-F238E27FC236}">
-                <a16:creationId xmlns:a16="http://schemas.microsoft.com/office/drawing/2014/main" id="{566DBADB-56EB-4F3A-ADB0-9B19B6302845}"/>
-              </a:ext>
-            </a:extLst>
-          </p:cNvPr>
+          <p:cNvPr id="6" name="灯片编号占位符 5"/>
           <p:cNvSpPr>
             <a:spLocks noGrp="1"/>
           </p:cNvSpPr>
@@ -3355,18 +2954,12 @@
           <a:p>
             <a:fld id="{BDC18D54-B4A9-4E95-A1F3-7FD5603A7C52}" type="slidenum">
               <a:rPr lang="zh-CN" altLang="en-US" smtClean="0"/>
-              <a:t>‹#›</a:t>
             </a:fld>
             <a:endParaRPr lang="zh-CN" altLang="en-US"/>
           </a:p>
         </p:txBody>
       </p:sp>
     </p:spTree>
-    <p:extLst>
-      <p:ext uri="{BB962C8B-B14F-4D97-AF65-F5344CB8AC3E}">
-        <p14:creationId xmlns:p14="http://schemas.microsoft.com/office/powerpoint/2010/main" val="1279743332"/>
-      </p:ext>
-    </p:extLst>
   </p:cSld>
   <p:clrMap bg1="lt1" tx1="dk1" bg2="lt2" tx2="dk2" accent1="accent1" accent2="accent2" accent3="accent3" accent4="accent4" accent5="accent5" accent6="accent6" hlink="hlink" folHlink="folHlink"/>
   <p:sldLayoutIdLst>
@@ -3684,13 +3277,7 @@
       </p:grpSpPr>
       <p:sp>
         <p:nvSpPr>
-          <p:cNvPr id="4" name="文本框 3">
-            <a:extLst>
-              <a:ext uri="{FF2B5EF4-FFF2-40B4-BE49-F238E27FC236}">
-                <a16:creationId xmlns:a16="http://schemas.microsoft.com/office/drawing/2014/main" id="{E136094D-F855-421D-BA92-74AAE137B8A4}"/>
-              </a:ext>
-            </a:extLst>
-          </p:cNvPr>
+          <p:cNvPr id="4" name="文本框 3"/>
           <p:cNvSpPr txBox="1"/>
           <p:nvPr/>
         </p:nvSpPr>
@@ -3714,18 +3301,13 @@
               <a:rPr lang="zh-CN" altLang="en-US" sz="2400" dirty="0"/>
               <a:t>需求分析</a:t>
             </a:r>
+            <a:endParaRPr lang="zh-CN" altLang="en-US" sz="2400" dirty="0"/>
           </a:p>
         </p:txBody>
       </p:sp>
       <p:cxnSp>
         <p:nvCxnSpPr>
-          <p:cNvPr id="6" name="直接连接符 5">
-            <a:extLst>
-              <a:ext uri="{FF2B5EF4-FFF2-40B4-BE49-F238E27FC236}">
-                <a16:creationId xmlns:a16="http://schemas.microsoft.com/office/drawing/2014/main" id="{619EC5C4-CC65-4B77-AED6-E7B239AE42B7}"/>
-              </a:ext>
-            </a:extLst>
-          </p:cNvPr>
+          <p:cNvPr id="6" name="直接连接符 5"/>
           <p:cNvCxnSpPr/>
           <p:nvPr/>
         </p:nvCxnSpPr>
@@ -3737,7 +3319,6 @@
           <a:prstGeom prst="line">
             <a:avLst/>
           </a:prstGeom>
-          <a:ln/>
         </p:spPr>
         <p:style>
           <a:lnRef idx="1">
@@ -3756,13 +3337,7 @@
       </p:cxnSp>
       <p:sp>
         <p:nvSpPr>
-          <p:cNvPr id="7" name="文本框 6">
-            <a:extLst>
-              <a:ext uri="{FF2B5EF4-FFF2-40B4-BE49-F238E27FC236}">
-                <a16:creationId xmlns:a16="http://schemas.microsoft.com/office/drawing/2014/main" id="{63635918-5CD2-4F1D-9ACB-4E6F108C50FC}"/>
-              </a:ext>
-            </a:extLst>
-          </p:cNvPr>
+          <p:cNvPr id="7" name="文本框 6"/>
           <p:cNvSpPr txBox="1"/>
           <p:nvPr/>
         </p:nvSpPr>
@@ -3790,6 +3365,7 @@
               <a:rPr lang="en-US" altLang="zh-CN" sz="3600" dirty="0"/>
               <a:t>Mall customer</a:t>
             </a:r>
+            <a:endParaRPr lang="en-US" altLang="zh-CN" sz="3600" dirty="0"/>
           </a:p>
           <a:p>
             <a:pPr marL="285750" indent="-285750">
@@ -3800,6 +3376,7 @@
               <a:rPr lang="en-US" altLang="zh-CN" sz="3600" dirty="0"/>
               <a:t>Shop owner</a:t>
             </a:r>
+            <a:endParaRPr lang="en-US" altLang="zh-CN" sz="3600" dirty="0"/>
           </a:p>
           <a:p>
             <a:pPr marL="285750" indent="-285750">
@@ -3810,6 +3387,7 @@
               <a:rPr lang="en-US" altLang="zh-CN" sz="3600" dirty="0"/>
               <a:t>Mall Administrator</a:t>
             </a:r>
+            <a:endParaRPr lang="en-US" altLang="zh-CN" sz="3600" dirty="0"/>
           </a:p>
           <a:p>
             <a:pPr marL="285750" indent="-285750">
@@ -3820,18 +3398,13 @@
               <a:rPr lang="zh-CN" altLang="en-US" sz="3600" dirty="0"/>
               <a:t>网页大体框架</a:t>
             </a:r>
-          </a:p>
-        </p:txBody>
-      </p:sp>
-      <p:sp>
-        <p:nvSpPr>
-          <p:cNvPr id="2" name="文本框 1">
-            <a:extLst>
-              <a:ext uri="{FF2B5EF4-FFF2-40B4-BE49-F238E27FC236}">
-                <a16:creationId xmlns:a16="http://schemas.microsoft.com/office/drawing/2014/main" id="{86BB38DE-3B6E-45DE-9916-052CF615D3B1}"/>
-              </a:ext>
-            </a:extLst>
-          </p:cNvPr>
+            <a:endParaRPr lang="zh-CN" altLang="en-US" sz="3600" dirty="0"/>
+          </a:p>
+        </p:txBody>
+      </p:sp>
+      <p:sp>
+        <p:nvSpPr>
+          <p:cNvPr id="2" name="文本框 1"/>
           <p:cNvSpPr txBox="1"/>
           <p:nvPr/>
         </p:nvSpPr>
@@ -3860,11 +3433,6 @@
         </p:txBody>
       </p:sp>
     </p:spTree>
-    <p:extLst>
-      <p:ext uri="{BB962C8B-B14F-4D97-AF65-F5344CB8AC3E}">
-        <p14:creationId xmlns:p14="http://schemas.microsoft.com/office/powerpoint/2010/main" val="991717230"/>
-      </p:ext>
-    </p:extLst>
   </p:cSld>
   <p:clrMapOvr>
     <a:masterClrMapping/>
@@ -3891,13 +3459,7 @@
       </p:grpSpPr>
       <p:sp>
         <p:nvSpPr>
-          <p:cNvPr id="2" name="文本框 1">
-            <a:extLst>
-              <a:ext uri="{FF2B5EF4-FFF2-40B4-BE49-F238E27FC236}">
-                <a16:creationId xmlns:a16="http://schemas.microsoft.com/office/drawing/2014/main" id="{F12679E4-2D6F-4D70-B2AF-74659D9DDC3B}"/>
-              </a:ext>
-            </a:extLst>
-          </p:cNvPr>
+          <p:cNvPr id="2" name="文本框 1"/>
           <p:cNvSpPr txBox="1"/>
           <p:nvPr/>
         </p:nvSpPr>
@@ -3921,18 +3483,13 @@
               <a:rPr lang="zh-CN" altLang="en-US" sz="2400" dirty="0"/>
               <a:t>技术栈</a:t>
             </a:r>
+            <a:endParaRPr lang="zh-CN" altLang="en-US" sz="2400" dirty="0"/>
           </a:p>
         </p:txBody>
       </p:sp>
       <p:cxnSp>
         <p:nvCxnSpPr>
-          <p:cNvPr id="3" name="直接连接符 2">
-            <a:extLst>
-              <a:ext uri="{FF2B5EF4-FFF2-40B4-BE49-F238E27FC236}">
-                <a16:creationId xmlns:a16="http://schemas.microsoft.com/office/drawing/2014/main" id="{35E58190-8898-4F0B-878B-54035494BB4A}"/>
-              </a:ext>
-            </a:extLst>
-          </p:cNvPr>
+          <p:cNvPr id="3" name="直接连接符 2"/>
           <p:cNvCxnSpPr/>
           <p:nvPr/>
         </p:nvCxnSpPr>
@@ -3944,7 +3501,6 @@
           <a:prstGeom prst="line">
             <a:avLst/>
           </a:prstGeom>
-          <a:ln/>
         </p:spPr>
         <p:style>
           <a:lnRef idx="1">
@@ -3963,13 +3519,7 @@
       </p:cxnSp>
       <p:sp>
         <p:nvSpPr>
-          <p:cNvPr id="4" name="文本框 3">
-            <a:extLst>
-              <a:ext uri="{FF2B5EF4-FFF2-40B4-BE49-F238E27FC236}">
-                <a16:creationId xmlns:a16="http://schemas.microsoft.com/office/drawing/2014/main" id="{78F11C8F-0FBB-44A0-B524-C63EC197E3B9}"/>
-              </a:ext>
-            </a:extLst>
-          </p:cNvPr>
+          <p:cNvPr id="4" name="文本框 3"/>
           <p:cNvSpPr txBox="1"/>
           <p:nvPr/>
         </p:nvSpPr>
@@ -4016,18 +3566,13 @@
               <a:rPr lang="en-US" altLang="zh-CN" dirty="0"/>
               <a:t>XX</a:t>
             </a:r>
-          </a:p>
-        </p:txBody>
-      </p:sp>
-      <p:sp>
-        <p:nvSpPr>
-          <p:cNvPr id="5" name="文本框 4">
-            <a:extLst>
-              <a:ext uri="{FF2B5EF4-FFF2-40B4-BE49-F238E27FC236}">
-                <a16:creationId xmlns:a16="http://schemas.microsoft.com/office/drawing/2014/main" id="{A5979EB6-09CC-4145-8CF4-79B7CBD8DE5F}"/>
-              </a:ext>
-            </a:extLst>
-          </p:cNvPr>
+            <a:endParaRPr lang="en-US" altLang="zh-CN" dirty="0"/>
+          </a:p>
+        </p:txBody>
+      </p:sp>
+      <p:sp>
+        <p:nvSpPr>
+          <p:cNvPr id="5" name="文本框 4"/>
           <p:cNvSpPr txBox="1"/>
           <p:nvPr/>
         </p:nvSpPr>
@@ -4071,11 +3616,6 @@
         </p:txBody>
       </p:sp>
     </p:spTree>
-    <p:extLst>
-      <p:ext uri="{BB962C8B-B14F-4D97-AF65-F5344CB8AC3E}">
-        <p14:creationId xmlns:p14="http://schemas.microsoft.com/office/powerpoint/2010/main" val="2101961876"/>
-      </p:ext>
-    </p:extLst>
   </p:cSld>
   <p:clrMapOvr>
     <a:masterClrMapping/>
@@ -4102,13 +3642,7 @@
       </p:grpSpPr>
       <p:sp>
         <p:nvSpPr>
-          <p:cNvPr id="2" name="文本框 1">
-            <a:extLst>
-              <a:ext uri="{FF2B5EF4-FFF2-40B4-BE49-F238E27FC236}">
-                <a16:creationId xmlns:a16="http://schemas.microsoft.com/office/drawing/2014/main" id="{403EBA94-2AA8-4F88-BD47-F8DC64A7EDDC}"/>
-              </a:ext>
-            </a:extLst>
-          </p:cNvPr>
+          <p:cNvPr id="2" name="文本框 1"/>
           <p:cNvSpPr txBox="1"/>
           <p:nvPr/>
         </p:nvSpPr>
@@ -4132,18 +3666,13 @@
               <a:rPr lang="zh-CN" altLang="en-US" sz="2400" dirty="0"/>
               <a:t>时间线</a:t>
             </a:r>
+            <a:endParaRPr lang="zh-CN" altLang="en-US" sz="2400" dirty="0"/>
           </a:p>
         </p:txBody>
       </p:sp>
       <p:cxnSp>
         <p:nvCxnSpPr>
-          <p:cNvPr id="3" name="直接连接符 2">
-            <a:extLst>
-              <a:ext uri="{FF2B5EF4-FFF2-40B4-BE49-F238E27FC236}">
-                <a16:creationId xmlns:a16="http://schemas.microsoft.com/office/drawing/2014/main" id="{90007B34-518C-4591-959A-D9CAD32FF8CF}"/>
-              </a:ext>
-            </a:extLst>
-          </p:cNvPr>
+          <p:cNvPr id="3" name="直接连接符 2"/>
           <p:cNvCxnSpPr/>
           <p:nvPr/>
         </p:nvCxnSpPr>
@@ -4155,7 +3684,6 @@
           <a:prstGeom prst="line">
             <a:avLst/>
           </a:prstGeom>
-          <a:ln/>
         </p:spPr>
         <p:style>
           <a:lnRef idx="1">
@@ -4174,13 +3702,7 @@
       </p:cxnSp>
       <p:grpSp>
         <p:nvGrpSpPr>
-          <p:cNvPr id="6" name="组合 5">
-            <a:extLst>
-              <a:ext uri="{FF2B5EF4-FFF2-40B4-BE49-F238E27FC236}">
-                <a16:creationId xmlns:a16="http://schemas.microsoft.com/office/drawing/2014/main" id="{AAA42B13-1AF4-433D-A9FA-9B11B19E4F12}"/>
-              </a:ext>
-            </a:extLst>
-          </p:cNvPr>
+          <p:cNvPr id="6" name="组合 5"/>
           <p:cNvGrpSpPr/>
           <p:nvPr/>
         </p:nvGrpSpPr>
@@ -4194,20 +3716,14 @@
         </p:grpSpPr>
         <p:pic>
           <p:nvPicPr>
-            <p:cNvPr id="4" name="图片 3">
-              <a:extLst>
-                <a:ext uri="{FF2B5EF4-FFF2-40B4-BE49-F238E27FC236}">
-                  <a16:creationId xmlns:a16="http://schemas.microsoft.com/office/drawing/2014/main" id="{CDA60A35-2A3D-45CD-A2CC-40A37C1D39E2}"/>
-                </a:ext>
-              </a:extLst>
-            </p:cNvPr>
+            <p:cNvPr id="4" name="图片 3"/>
             <p:cNvPicPr>
               <a:picLocks noChangeAspect="1"/>
             </p:cNvPicPr>
             <p:nvPr/>
           </p:nvPicPr>
           <p:blipFill>
-            <a:blip r:embed="rId2"/>
+            <a:blip r:embed="rId1"/>
             <a:stretch>
               <a:fillRect/>
             </a:stretch>
@@ -4224,13 +3740,7 @@
         </p:pic>
         <p:sp>
           <p:nvSpPr>
-            <p:cNvPr id="5" name="文本框 4">
-              <a:extLst>
-                <a:ext uri="{FF2B5EF4-FFF2-40B4-BE49-F238E27FC236}">
-                  <a16:creationId xmlns:a16="http://schemas.microsoft.com/office/drawing/2014/main" id="{CD2553FE-EC7E-429A-A565-BB58F47C44B0}"/>
-                </a:ext>
-              </a:extLst>
-            </p:cNvPr>
+            <p:cNvPr id="5" name="文本框 4"/>
             <p:cNvSpPr txBox="1"/>
             <p:nvPr/>
           </p:nvSpPr>
@@ -4270,6 +3780,7 @@
                 <a:rPr lang="en-US" altLang="zh-CN" dirty="0"/>
                 <a:t>12.6</a:t>
               </a:r>
+              <a:endParaRPr lang="en-US" altLang="zh-CN" dirty="0"/>
             </a:p>
             <a:p>
               <a:pPr marL="285750" indent="-285750">
@@ -4292,6 +3803,7 @@
                 <a:rPr lang="en-US" altLang="zh-CN" dirty="0"/>
                 <a:t>12.20</a:t>
               </a:r>
+              <a:endParaRPr lang="en-US" altLang="zh-CN" dirty="0"/>
             </a:p>
             <a:p>
               <a:pPr marL="285750" indent="-285750">
@@ -4321,13 +3833,7 @@
       </p:grpSp>
       <p:sp>
         <p:nvSpPr>
-          <p:cNvPr id="8" name="文本框 7">
-            <a:extLst>
-              <a:ext uri="{FF2B5EF4-FFF2-40B4-BE49-F238E27FC236}">
-                <a16:creationId xmlns:a16="http://schemas.microsoft.com/office/drawing/2014/main" id="{AD3A4D44-5549-4993-BC12-5940E9F406C2}"/>
-              </a:ext>
-            </a:extLst>
-          </p:cNvPr>
+          <p:cNvPr id="8" name="文本框 7"/>
           <p:cNvSpPr txBox="1"/>
           <p:nvPr/>
         </p:nvSpPr>
@@ -4366,6 +3872,7 @@
               <a:rPr lang="en-US" altLang="zh-CN" dirty="0"/>
               <a:t>User function:</a:t>
             </a:r>
+            <a:endParaRPr lang="en-US" altLang="zh-CN" dirty="0"/>
           </a:p>
           <a:p>
             <a:pPr marL="742950" lvl="1" indent="-285750">
@@ -4376,6 +3883,7 @@
               <a:rPr lang="en-US" altLang="zh-CN" dirty="0"/>
               <a:t>Sign up</a:t>
             </a:r>
+            <a:endParaRPr lang="en-US" altLang="zh-CN" dirty="0"/>
           </a:p>
           <a:p>
             <a:pPr marL="742950" lvl="1" indent="-285750">
@@ -4386,6 +3894,7 @@
               <a:rPr lang="en-US" altLang="zh-CN" dirty="0"/>
               <a:t>Sign in</a:t>
             </a:r>
+            <a:endParaRPr lang="en-US" altLang="zh-CN" dirty="0"/>
           </a:p>
           <a:p>
             <a:pPr marL="742950" lvl="1" indent="-285750">
@@ -4396,6 +3905,7 @@
               <a:rPr lang="en-US" altLang="zh-CN" dirty="0"/>
               <a:t>Search commodity</a:t>
             </a:r>
+            <a:endParaRPr lang="en-US" altLang="zh-CN" dirty="0"/>
           </a:p>
           <a:p>
             <a:pPr marL="742950" lvl="1" indent="-285750">
@@ -4406,6 +3916,7 @@
               <a:rPr lang="en-US" altLang="zh-CN" dirty="0"/>
               <a:t>View commodity</a:t>
             </a:r>
+            <a:endParaRPr lang="en-US" altLang="zh-CN" dirty="0"/>
           </a:p>
           <a:p>
             <a:pPr marL="742950" lvl="1" indent="-285750">
@@ -4416,6 +3927,7 @@
               <a:rPr lang="en-US" altLang="zh-CN" dirty="0"/>
               <a:t>Edit commodity</a:t>
             </a:r>
+            <a:endParaRPr lang="en-US" altLang="zh-CN" dirty="0"/>
           </a:p>
           <a:p>
             <a:pPr marL="742950" lvl="1" indent="-285750">
@@ -4426,20 +3938,14 @@
               <a:rPr lang="en-US" altLang="zh-CN" dirty="0"/>
               <a:t>Manage commodity</a:t>
             </a:r>
+            <a:endParaRPr lang="en-US" altLang="zh-CN" dirty="0"/>
           </a:p>
         </p:txBody>
       </p:sp>
       <p:cxnSp>
         <p:nvCxnSpPr>
-          <p:cNvPr id="10" name="直接箭头连接符 9">
-            <a:extLst>
-              <a:ext uri="{FF2B5EF4-FFF2-40B4-BE49-F238E27FC236}">
-                <a16:creationId xmlns:a16="http://schemas.microsoft.com/office/drawing/2014/main" id="{08EF4F99-2699-49B9-B711-044FA5C7D32D}"/>
-              </a:ext>
-            </a:extLst>
-          </p:cNvPr>
+          <p:cNvPr id="10" name="直接箭头连接符 9"/>
           <p:cNvCxnSpPr>
-            <a:cxnSpLocks/>
             <a:endCxn id="8" idx="1"/>
           </p:cNvCxnSpPr>
           <p:nvPr/>
@@ -4472,11 +3978,6 @@
         </p:style>
       </p:cxnSp>
     </p:spTree>
-    <p:extLst>
-      <p:ext uri="{BB962C8B-B14F-4D97-AF65-F5344CB8AC3E}">
-        <p14:creationId xmlns:p14="http://schemas.microsoft.com/office/powerpoint/2010/main" val="1125961849"/>
-      </p:ext>
-    </p:extLst>
   </p:cSld>
   <p:clrMapOvr>
     <a:masterClrMapping/>
@@ -4503,13 +4004,7 @@
       </p:grpSpPr>
       <p:sp>
         <p:nvSpPr>
-          <p:cNvPr id="2" name="文本框 1">
-            <a:extLst>
-              <a:ext uri="{FF2B5EF4-FFF2-40B4-BE49-F238E27FC236}">
-                <a16:creationId xmlns:a16="http://schemas.microsoft.com/office/drawing/2014/main" id="{5F3BC7C6-8FFD-40D4-A63B-B53A8A9F487B}"/>
-              </a:ext>
-            </a:extLst>
-          </p:cNvPr>
+          <p:cNvPr id="2" name="文本框 1"/>
           <p:cNvSpPr txBox="1"/>
           <p:nvPr/>
         </p:nvSpPr>
@@ -4533,18 +4028,13 @@
               <a:rPr lang="zh-CN" altLang="en-US" sz="2400" dirty="0"/>
               <a:t>分组</a:t>
             </a:r>
+            <a:endParaRPr lang="zh-CN" altLang="en-US" sz="2400" dirty="0"/>
           </a:p>
         </p:txBody>
       </p:sp>
       <p:cxnSp>
         <p:nvCxnSpPr>
-          <p:cNvPr id="3" name="直接连接符 2">
-            <a:extLst>
-              <a:ext uri="{FF2B5EF4-FFF2-40B4-BE49-F238E27FC236}">
-                <a16:creationId xmlns:a16="http://schemas.microsoft.com/office/drawing/2014/main" id="{26471E08-B6AB-42C9-85C3-3B217D9AB1C0}"/>
-              </a:ext>
-            </a:extLst>
-          </p:cNvPr>
+          <p:cNvPr id="3" name="直接连接符 2"/>
           <p:cNvCxnSpPr/>
           <p:nvPr/>
         </p:nvCxnSpPr>
@@ -4556,7 +4046,6 @@
           <a:prstGeom prst="line">
             <a:avLst/>
           </a:prstGeom>
-          <a:ln/>
         </p:spPr>
         <p:style>
           <a:lnRef idx="1">
@@ -4575,20 +4064,14 @@
       </p:cxnSp>
       <p:sp>
         <p:nvSpPr>
-          <p:cNvPr id="4" name="文本框 3">
-            <a:extLst>
-              <a:ext uri="{FF2B5EF4-FFF2-40B4-BE49-F238E27FC236}">
-                <a16:creationId xmlns:a16="http://schemas.microsoft.com/office/drawing/2014/main" id="{97F2C556-90DA-40F2-8C7C-EEB2744E0859}"/>
-              </a:ext>
-            </a:extLst>
-          </p:cNvPr>
+          <p:cNvPr id="4" name="文本框 3"/>
           <p:cNvSpPr txBox="1"/>
           <p:nvPr/>
         </p:nvSpPr>
         <p:spPr>
           <a:xfrm>
             <a:off x="1388920" y="2644169"/>
-            <a:ext cx="3338947" cy="1569660"/>
+            <a:ext cx="3338947" cy="1568450"/>
           </a:xfrm>
           <a:prstGeom prst="rect">
             <a:avLst/>
@@ -4626,7 +4109,11 @@
             </a:r>
             <a:r>
               <a:rPr lang="zh-CN" altLang="en-US" sz="3200" dirty="0"/>
-              <a:t>：王新锦</a:t>
+              <a:t>：王星</a:t>
+            </a:r>
+            <a:r>
+              <a:rPr lang="zh-CN" altLang="en-US" sz="3200" dirty="0"/>
+              <a:t>锦</a:t>
             </a:r>
             <a:endParaRPr lang="en-US" altLang="zh-CN" sz="3200" dirty="0"/>
           </a:p>
@@ -4643,18 +4130,13 @@
               <a:rPr lang="zh-CN" altLang="en-US" sz="3200" dirty="0"/>
               <a:t>：穆财林</a:t>
             </a:r>
-          </a:p>
-        </p:txBody>
-      </p:sp>
-      <p:sp>
-        <p:nvSpPr>
-          <p:cNvPr id="5" name="文本框 4">
-            <a:extLst>
-              <a:ext uri="{FF2B5EF4-FFF2-40B4-BE49-F238E27FC236}">
-                <a16:creationId xmlns:a16="http://schemas.microsoft.com/office/drawing/2014/main" id="{FB7DB68E-AC79-47F0-AE88-559A2FFF72F1}"/>
-              </a:ext>
-            </a:extLst>
-          </p:cNvPr>
+            <a:endParaRPr lang="zh-CN" altLang="en-US" sz="3200" dirty="0"/>
+          </a:p>
+        </p:txBody>
+      </p:sp>
+      <p:sp>
+        <p:nvSpPr>
+          <p:cNvPr id="5" name="文本框 4"/>
           <p:cNvSpPr txBox="1"/>
           <p:nvPr/>
         </p:nvSpPr>
@@ -4720,18 +4202,13 @@
               <a:rPr lang="zh-CN" altLang="en-US" dirty="0"/>
               <a:t>以及其他文档</a:t>
             </a:r>
+            <a:endParaRPr lang="zh-CN" altLang="en-US" dirty="0"/>
           </a:p>
         </p:txBody>
       </p:sp>
       <p:cxnSp>
         <p:nvCxnSpPr>
-          <p:cNvPr id="7" name="直接连接符 6">
-            <a:extLst>
-              <a:ext uri="{FF2B5EF4-FFF2-40B4-BE49-F238E27FC236}">
-                <a16:creationId xmlns:a16="http://schemas.microsoft.com/office/drawing/2014/main" id="{1595766E-871A-43DD-8AE5-4E8CECD0AD82}"/>
-              </a:ext>
-            </a:extLst>
-          </p:cNvPr>
+          <p:cNvPr id="7" name="直接连接符 6"/>
           <p:cNvCxnSpPr/>
           <p:nvPr/>
         </p:nvCxnSpPr>
@@ -4761,13 +4238,7 @@
       </p:cxnSp>
       <p:sp>
         <p:nvSpPr>
-          <p:cNvPr id="6" name="文本框 5">
-            <a:extLst>
-              <a:ext uri="{FF2B5EF4-FFF2-40B4-BE49-F238E27FC236}">
-                <a16:creationId xmlns:a16="http://schemas.microsoft.com/office/drawing/2014/main" id="{0CC340A5-7788-40CF-B345-5E7A560E7498}"/>
-              </a:ext>
-            </a:extLst>
-          </p:cNvPr>
+          <p:cNvPr id="6" name="文本框 5"/>
           <p:cNvSpPr txBox="1"/>
           <p:nvPr/>
         </p:nvSpPr>
@@ -4796,11 +4267,6 @@
         </p:txBody>
       </p:sp>
     </p:spTree>
-    <p:extLst>
-      <p:ext uri="{BB962C8B-B14F-4D97-AF65-F5344CB8AC3E}">
-        <p14:creationId xmlns:p14="http://schemas.microsoft.com/office/powerpoint/2010/main" val="3709768470"/>
-      </p:ext>
-    </p:extLst>
   </p:cSld>
   <p:clrMapOvr>
     <a:masterClrMapping/>
@@ -4827,13 +4293,7 @@
       </p:grpSpPr>
       <p:sp>
         <p:nvSpPr>
-          <p:cNvPr id="2" name="文本框 1">
-            <a:extLst>
-              <a:ext uri="{FF2B5EF4-FFF2-40B4-BE49-F238E27FC236}">
-                <a16:creationId xmlns:a16="http://schemas.microsoft.com/office/drawing/2014/main" id="{FE75103F-DF5B-4BD3-A91F-E2083F16E804}"/>
-              </a:ext>
-            </a:extLst>
-          </p:cNvPr>
+          <p:cNvPr id="2" name="文本框 1"/>
           <p:cNvSpPr txBox="1"/>
           <p:nvPr/>
         </p:nvSpPr>
@@ -4863,13 +4323,7 @@
       </p:sp>
       <p:cxnSp>
         <p:nvCxnSpPr>
-          <p:cNvPr id="3" name="直接连接符 2">
-            <a:extLst>
-              <a:ext uri="{FF2B5EF4-FFF2-40B4-BE49-F238E27FC236}">
-                <a16:creationId xmlns:a16="http://schemas.microsoft.com/office/drawing/2014/main" id="{66EA92A5-CBC0-46EC-A115-32C4BCCC9CFA}"/>
-              </a:ext>
-            </a:extLst>
-          </p:cNvPr>
+          <p:cNvPr id="3" name="直接连接符 2"/>
           <p:cNvCxnSpPr/>
           <p:nvPr/>
         </p:nvCxnSpPr>
@@ -4881,7 +4335,6 @@
           <a:prstGeom prst="line">
             <a:avLst/>
           </a:prstGeom>
-          <a:ln/>
         </p:spPr>
         <p:style>
           <a:lnRef idx="1">
@@ -4900,20 +4353,14 @@
       </p:cxnSp>
       <p:pic>
         <p:nvPicPr>
-          <p:cNvPr id="4" name="图片 3">
-            <a:extLst>
-              <a:ext uri="{FF2B5EF4-FFF2-40B4-BE49-F238E27FC236}">
-                <a16:creationId xmlns:a16="http://schemas.microsoft.com/office/drawing/2014/main" id="{25DABC3C-F1B4-4D37-9D85-ADA7A5F0DDE9}"/>
-              </a:ext>
-            </a:extLst>
-          </p:cNvPr>
+          <p:cNvPr id="4" name="图片 3"/>
           <p:cNvPicPr>
             <a:picLocks noChangeAspect="1"/>
           </p:cNvPicPr>
           <p:nvPr/>
         </p:nvPicPr>
         <p:blipFill>
-          <a:blip r:embed="rId2"/>
+          <a:blip r:embed="rId1"/>
           <a:stretch>
             <a:fillRect/>
           </a:stretch>
@@ -4929,11 +4376,6 @@
         </p:spPr>
       </p:pic>
     </p:spTree>
-    <p:extLst>
-      <p:ext uri="{BB962C8B-B14F-4D97-AF65-F5344CB8AC3E}">
-        <p14:creationId xmlns:p14="http://schemas.microsoft.com/office/powerpoint/2010/main" val="4193372529"/>
-      </p:ext>
-    </p:extLst>
   </p:cSld>
   <p:clrMapOvr>
     <a:masterClrMapping/>
@@ -4949,7 +4391,7 @@
         <a:sysClr val="windowText" lastClr="000000"/>
       </a:dk1>
       <a:lt1>
-        <a:sysClr val="window" lastClr="CCE8CF"/>
+        <a:sysClr val="window" lastClr="FFFFFF"/>
       </a:lt1>
       <a:dk2>
         <a:srgbClr val="44546A"/>
@@ -4984,7 +4426,7 @@
     </a:clrScheme>
     <a:fontScheme name="Office">
       <a:majorFont>
-        <a:latin typeface="等线 Light" panose="020F0302020204030204"/>
+        <a:latin typeface="等线 Light"/>
         <a:ea typeface=""/>
         <a:cs typeface=""/>
         <a:font script="Jpan" typeface="游ゴシック Light"/>
@@ -5017,26 +4459,9 @@
         <a:font script="Viet" typeface="Times New Roman"/>
         <a:font script="Uigh" typeface="Microsoft Uighur"/>
         <a:font script="Geor" typeface="Sylfaen"/>
-        <a:font script="Armn" typeface="Arial"/>
-        <a:font script="Bugi" typeface="Leelawadee UI"/>
-        <a:font script="Bopo" typeface="Microsoft JhengHei"/>
-        <a:font script="Java" typeface="Javanese Text"/>
-        <a:font script="Lisu" typeface="Segoe UI"/>
-        <a:font script="Mymr" typeface="Myanmar Text"/>
-        <a:font script="Nkoo" typeface="Ebrima"/>
-        <a:font script="Olck" typeface="Nirmala UI"/>
-        <a:font script="Osma" typeface="Ebrima"/>
-        <a:font script="Phag" typeface="Phagspa"/>
-        <a:font script="Syrn" typeface="Estrangelo Edessa"/>
-        <a:font script="Syrj" typeface="Estrangelo Edessa"/>
-        <a:font script="Syre" typeface="Estrangelo Edessa"/>
-        <a:font script="Sora" typeface="Nirmala UI"/>
-        <a:font script="Tale" typeface="Microsoft Tai Le"/>
-        <a:font script="Talu" typeface="Microsoft New Tai Lue"/>
-        <a:font script="Tfng" typeface="Ebrima"/>
       </a:majorFont>
       <a:minorFont>
-        <a:latin typeface="等线" panose="020F0502020204030204"/>
+        <a:latin typeface="等线"/>
         <a:ea typeface=""/>
         <a:cs typeface=""/>
         <a:font script="Jpan" typeface="游ゴシック"/>
@@ -5069,23 +4494,6 @@
         <a:font script="Viet" typeface="Arial"/>
         <a:font script="Uigh" typeface="Microsoft Uighur"/>
         <a:font script="Geor" typeface="Sylfaen"/>
-        <a:font script="Armn" typeface="Arial"/>
-        <a:font script="Bugi" typeface="Leelawadee UI"/>
-        <a:font script="Bopo" typeface="Microsoft JhengHei"/>
-        <a:font script="Java" typeface="Javanese Text"/>
-        <a:font script="Lisu" typeface="Segoe UI"/>
-        <a:font script="Mymr" typeface="Myanmar Text"/>
-        <a:font script="Nkoo" typeface="Ebrima"/>
-        <a:font script="Olck" typeface="Nirmala UI"/>
-        <a:font script="Osma" typeface="Ebrima"/>
-        <a:font script="Phag" typeface="Phagspa"/>
-        <a:font script="Syrn" typeface="Estrangelo Edessa"/>
-        <a:font script="Syrj" typeface="Estrangelo Edessa"/>
-        <a:font script="Syre" typeface="Estrangelo Edessa"/>
-        <a:font script="Sora" typeface="Nirmala UI"/>
-        <a:font script="Tale" typeface="Microsoft Tai Le"/>
-        <a:font script="Talu" typeface="Microsoft New Tai Lue"/>
-        <a:font script="Tfng" typeface="Ebrima"/>
       </a:minorFont>
     </a:fontScheme>
     <a:fmtScheme name="Office">
@@ -5226,8 +4634,6 @@
       </a:bgFillStyleLst>
     </a:fmtScheme>
   </a:themeElements>
-  <a:objectDefaults/>
-  <a:extraClrSchemeLst/>
   <a:extLst>
     <a:ext uri="{05A4C25C-085E-4340-85A3-A5531E510DB2}">
       <thm15:themeFamily xmlns:thm15="http://schemas.microsoft.com/office/thememl/2012/main" name="Office Theme" id="{62F939B6-93AF-4DB8-9C6B-D6C7DFDC589F}" vid="{4A3C46E8-61CC-4603-A589-7422A47A8E4A}"/>
@@ -5244,7 +4650,7 @@
         <a:sysClr val="windowText" lastClr="000000"/>
       </a:dk1>
       <a:lt1>
-        <a:sysClr val="window" lastClr="CCE8CF"/>
+        <a:sysClr val="window" lastClr="FFFFFF"/>
       </a:lt1>
       <a:dk2>
         <a:srgbClr val="44546A"/>
@@ -5279,7 +4685,7 @@
     </a:clrScheme>
     <a:fontScheme name="Office">
       <a:majorFont>
-        <a:latin typeface="等线 Light" panose="020F0302020204030204"/>
+        <a:latin typeface="等线 Light"/>
         <a:ea typeface=""/>
         <a:cs typeface=""/>
         <a:font script="Jpan" typeface="游ゴシック Light"/>
@@ -5312,26 +4718,9 @@
         <a:font script="Viet" typeface="Times New Roman"/>
         <a:font script="Uigh" typeface="Microsoft Uighur"/>
         <a:font script="Geor" typeface="Sylfaen"/>
-        <a:font script="Armn" typeface="Arial"/>
-        <a:font script="Bugi" typeface="Leelawadee UI"/>
-        <a:font script="Bopo" typeface="Microsoft JhengHei"/>
-        <a:font script="Java" typeface="Javanese Text"/>
-        <a:font script="Lisu" typeface="Segoe UI"/>
-        <a:font script="Mymr" typeface="Myanmar Text"/>
-        <a:font script="Nkoo" typeface="Ebrima"/>
-        <a:font script="Olck" typeface="Nirmala UI"/>
-        <a:font script="Osma" typeface="Ebrima"/>
-        <a:font script="Phag" typeface="Phagspa"/>
-        <a:font script="Syrn" typeface="Estrangelo Edessa"/>
-        <a:font script="Syrj" typeface="Estrangelo Edessa"/>
-        <a:font script="Syre" typeface="Estrangelo Edessa"/>
-        <a:font script="Sora" typeface="Nirmala UI"/>
-        <a:font script="Tale" typeface="Microsoft Tai Le"/>
-        <a:font script="Talu" typeface="Microsoft New Tai Lue"/>
-        <a:font script="Tfng" typeface="Ebrima"/>
       </a:majorFont>
       <a:minorFont>
-        <a:latin typeface="等线" panose="020F0502020204030204"/>
+        <a:latin typeface="等线"/>
         <a:ea typeface=""/>
         <a:cs typeface=""/>
         <a:font script="Jpan" typeface="游ゴシック"/>
@@ -5364,23 +4753,6 @@
         <a:font script="Viet" typeface="Arial"/>
         <a:font script="Uigh" typeface="Microsoft Uighur"/>
         <a:font script="Geor" typeface="Sylfaen"/>
-        <a:font script="Armn" typeface="Arial"/>
-        <a:font script="Bugi" typeface="Leelawadee UI"/>
-        <a:font script="Bopo" typeface="Microsoft JhengHei"/>
-        <a:font script="Java" typeface="Javanese Text"/>
-        <a:font script="Lisu" typeface="Segoe UI"/>
-        <a:font script="Mymr" typeface="Myanmar Text"/>
-        <a:font script="Nkoo" typeface="Ebrima"/>
-        <a:font script="Olck" typeface="Nirmala UI"/>
-        <a:font script="Osma" typeface="Ebrima"/>
-        <a:font script="Phag" typeface="Phagspa"/>
-        <a:font script="Syrn" typeface="Estrangelo Edessa"/>
-        <a:font script="Syrj" typeface="Estrangelo Edessa"/>
-        <a:font script="Syre" typeface="Estrangelo Edessa"/>
-        <a:font script="Sora" typeface="Nirmala UI"/>
-        <a:font script="Tale" typeface="Microsoft Tai Le"/>
-        <a:font script="Talu" typeface="Microsoft New Tai Lue"/>
-        <a:font script="Tfng" typeface="Ebrima"/>
       </a:minorFont>
     </a:fontScheme>
     <a:fmtScheme name="Office">
@@ -5521,8 +4893,6 @@
       </a:bgFillStyleLst>
     </a:fmtScheme>
   </a:themeElements>
-  <a:objectDefaults/>
-  <a:extraClrSchemeLst/>
   <a:extLst>
     <a:ext uri="{05A4C25C-085E-4340-85A3-A5531E510DB2}">
       <thm15:themeFamily xmlns:thm15="http://schemas.microsoft.com/office/thememl/2012/main" name="Office Theme" id="{62F939B6-93AF-4DB8-9C6B-D6C7DFDC589F}" vid="{4A3C46E8-61CC-4603-A589-7422A47A8E4A}"/>
